--- a/Carbon emission prediction.pptx
+++ b/Carbon emission prediction.pptx
@@ -5,26 +5,28 @@
     <p:sldMasterId id="2147483650" r:id="rId4"/>
   </p:sldMasterIdLst>
   <p:notesMasterIdLst>
-    <p:notesMasterId r:id="rId19"/>
+    <p:notesMasterId r:id="rId21"/>
   </p:notesMasterIdLst>
   <p:handoutMasterIdLst>
-    <p:handoutMasterId r:id="rId20"/>
+    <p:handoutMasterId r:id="rId22"/>
   </p:handoutMasterIdLst>
   <p:sldIdLst>
     <p:sldId id="312" r:id="rId5"/>
-    <p:sldId id="307" r:id="rId6"/>
-    <p:sldId id="281" r:id="rId7"/>
-    <p:sldId id="282" r:id="rId8"/>
-    <p:sldId id="315" r:id="rId9"/>
-    <p:sldId id="319" r:id="rId10"/>
-    <p:sldId id="321" r:id="rId11"/>
-    <p:sldId id="317" r:id="rId12"/>
-    <p:sldId id="323" r:id="rId13"/>
-    <p:sldId id="324" r:id="rId14"/>
-    <p:sldId id="325" r:id="rId15"/>
-    <p:sldId id="326" r:id="rId16"/>
-    <p:sldId id="327" r:id="rId17"/>
-    <p:sldId id="297" r:id="rId18"/>
+    <p:sldId id="329" r:id="rId6"/>
+    <p:sldId id="307" r:id="rId7"/>
+    <p:sldId id="281" r:id="rId8"/>
+    <p:sldId id="282" r:id="rId9"/>
+    <p:sldId id="315" r:id="rId10"/>
+    <p:sldId id="317" r:id="rId11"/>
+    <p:sldId id="319" r:id="rId12"/>
+    <p:sldId id="321" r:id="rId13"/>
+    <p:sldId id="323" r:id="rId14"/>
+    <p:sldId id="324" r:id="rId15"/>
+    <p:sldId id="325" r:id="rId16"/>
+    <p:sldId id="330" r:id="rId17"/>
+    <p:sldId id="326" r:id="rId18"/>
+    <p:sldId id="331" r:id="rId19"/>
+    <p:sldId id="297" r:id="rId20"/>
   </p:sldIdLst>
   <p:sldSz cx="12192000" cy="6858000"/>
   <p:notesSz cx="13716000" cy="24384000"/>
@@ -228,7 +230,22 @@
 <file path=ppt/authors.xml><?xml version="1.0" encoding="utf-8"?>
 <p188:authorLst xmlns:a="http://schemas.openxmlformats.org/drawingml/2006/main" xmlns:r="http://schemas.openxmlformats.org/officeDocument/2006/relationships" xmlns:p188="http://schemas.microsoft.com/office/powerpoint/2018/8/main">
   <p188:author id="{00000000-0000-0000-0000-000000000000}" name="Author" initials="A" userId="Author" providerId="AD"/>
+  <p188:author id="{91CAA69A-5D26-D1FC-E54D-E4D14DA20ECF}" name="Fatemeh Bozorgi - fatemeh.bozorgi@studio.unibo.it" initials="Ff" userId="S::fatemeh.bozorgi@studio.unibo.it::6e13567b-0dca-4627-bc4b-4a07f112b9dc" providerId="AD"/>
+  <p188:author id="{6747F8DC-9DB0-11F4-078C-D05FDA41E76A}" name="Mohsen Seyedkazemi Ardebili" initials="MA" userId="S::mohsen.seyedkazemi@unibo.it::903cabd6-7064-4076-884a-1938121ec91e" providerId="AD"/>
 </p188:authorLst>
+</file>
+
+<file path=ppt/revisionInfo.xml><?xml version="1.0" encoding="utf-8"?>
+<p1510:revInfo xmlns:a="http://schemas.openxmlformats.org/drawingml/2006/main" xmlns:r="http://schemas.openxmlformats.org/officeDocument/2006/relationships" xmlns:p1510="http://schemas.microsoft.com/office/powerpoint/2015/10/main">
+  <p1510:revLst>
+    <p1510:client id="{79EB31DF-263E-DE34-C95A-5BE8EA5051D3}" v="185" dt="2024-08-22T12:50:04.016"/>
+    <p1510:client id="{83CEBDDE-95D6-1D22-42D0-218AFB286496}" v="27" dt="2024-08-21T15:34:23.373"/>
+    <p1510:client id="{A54A51DA-08F8-485F-1D66-F5FAF334A09F}" v="131" dt="2024-08-21T15:07:26.154"/>
+    <p1510:client id="{A665EB42-ED21-037A-BA90-C04E5DC9886B}" v="42" dt="2024-08-22T08:48:47.988"/>
+    <p1510:client id="{F897B9C8-7ED3-6847-B695-4C075524D569}" v="49" dt="2024-08-21T14:07:26.876"/>
+    <p1510:client id="{F9EA6F96-0211-B4AA-564D-5A4E16F8910C}" v="176" dt="2024-08-21T14:25:55.536"/>
+  </p1510:revLst>
+</p1510:revInfo>
 </file>
 
 <file path=ppt/handoutMasters/handoutMaster1.xml><?xml version="1.0" encoding="utf-8"?>
@@ -1035,7 +1052,7 @@
     </p:spTree>
     <p:extLst>
       <p:ext uri="{BB962C8B-B14F-4D97-AF65-F5344CB8AC3E}">
-        <p14:creationId xmlns:p14="http://schemas.microsoft.com/office/powerpoint/2010/main" val="4110138705"/>
+        <p14:creationId xmlns:p14="http://schemas.microsoft.com/office/powerpoint/2010/main" val="177914689"/>
       </p:ext>
     </p:extLst>
   </p:cSld>
@@ -1118,7 +1135,7 @@
     </p:spTree>
     <p:extLst>
       <p:ext uri="{BB962C8B-B14F-4D97-AF65-F5344CB8AC3E}">
-        <p14:creationId xmlns:p14="http://schemas.microsoft.com/office/powerpoint/2010/main" val="3047668310"/>
+        <p14:creationId xmlns:p14="http://schemas.microsoft.com/office/powerpoint/2010/main" val="4110138705"/>
       </p:ext>
     </p:extLst>
   </p:cSld>
@@ -1201,7 +1218,7 @@
     </p:spTree>
     <p:extLst>
       <p:ext uri="{BB962C8B-B14F-4D97-AF65-F5344CB8AC3E}">
-        <p14:creationId xmlns:p14="http://schemas.microsoft.com/office/powerpoint/2010/main" val="177914689"/>
+        <p14:creationId xmlns:p14="http://schemas.microsoft.com/office/powerpoint/2010/main" val="3047668310"/>
       </p:ext>
     </p:extLst>
   </p:cSld>
@@ -17647,6 +17664,265 @@
           <a:chExt cx="0" cy="0"/>
         </a:xfrm>
       </p:grpSpPr>
+      <p:pic>
+        <p:nvPicPr>
+          <p:cNvPr id="10" name="Content Placeholder 9" descr="A diagram of a flowchart&#10;&#10;Description automatically generated">
+            <a:extLst>
+              <a:ext uri="{FF2B5EF4-FFF2-40B4-BE49-F238E27FC236}">
+                <a16:creationId xmlns:a16="http://schemas.microsoft.com/office/drawing/2014/main" id="{E4D5E86D-0208-F29A-A4BA-A49E5E84F7B0}"/>
+              </a:ext>
+            </a:extLst>
+          </p:cNvPr>
+          <p:cNvPicPr>
+            <a:picLocks noGrp="1" noChangeAspect="1"/>
+          </p:cNvPicPr>
+          <p:nvPr>
+            <p:ph idx="1"/>
+          </p:nvPr>
+        </p:nvPicPr>
+        <p:blipFill>
+          <a:blip r:embed="rId2"/>
+          <a:stretch>
+            <a:fillRect/>
+          </a:stretch>
+        </p:blipFill>
+        <p:spPr>
+          <a:xfrm>
+            <a:off x="7028213" y="579321"/>
+            <a:ext cx="4663044" cy="6076727"/>
+          </a:xfrm>
+        </p:spPr>
+      </p:pic>
+      <p:sp>
+        <p:nvSpPr>
+          <p:cNvPr id="11" name="TextBox 10">
+            <a:extLst>
+              <a:ext uri="{FF2B5EF4-FFF2-40B4-BE49-F238E27FC236}">
+                <a16:creationId xmlns:a16="http://schemas.microsoft.com/office/drawing/2014/main" id="{A86ABEC1-BAF9-3A85-B083-4CC83CCB18BE}"/>
+              </a:ext>
+            </a:extLst>
+          </p:cNvPr>
+          <p:cNvSpPr txBox="1"/>
+          <p:nvPr/>
+        </p:nvSpPr>
+        <p:spPr>
+          <a:xfrm>
+            <a:off x="703943" y="1255486"/>
+            <a:ext cx="5392057" cy="5078313"/>
+          </a:xfrm>
+          <a:prstGeom prst="rect">
+            <a:avLst/>
+          </a:prstGeom>
+          <a:noFill/>
+        </p:spPr>
+        <p:txBody>
+          <a:bodyPr wrap="square" lIns="91440" tIns="45720" rIns="91440" bIns="45720" rtlCol="0" anchor="t">
+            <a:spAutoFit/>
+          </a:bodyPr>
+          <a:lstStyle/>
+          <a:p>
+            <a:pPr marL="285750" indent="-285750">
+              <a:buFont typeface="Arial" panose="020B0604020202020204" pitchFamily="34" charset="0"/>
+              <a:buChar char="•"/>
+            </a:pPr>
+            <a:r>
+              <a:rPr lang="en-US" sz="1800" dirty="0">
+                <a:solidFill>
+                  <a:schemeClr val="accent6">
+                    <a:lumMod val="75000"/>
+                  </a:schemeClr>
+                </a:solidFill>
+                <a:latin typeface="+mj-lt"/>
+              </a:rPr>
+              <a:t>This neural network consists of an embedding layer that first transforms the input into a dense representation. </a:t>
+            </a:r>
+          </a:p>
+          <a:p>
+            <a:pPr marL="285750" indent="-285750">
+              <a:buFont typeface="Arial" panose="020B0604020202020204" pitchFamily="34" charset="0"/>
+              <a:buChar char="•"/>
+            </a:pPr>
+            <a:r>
+              <a:rPr lang="en-US" sz="1800" dirty="0">
+                <a:solidFill>
+                  <a:schemeClr val="accent6">
+                    <a:lumMod val="75000"/>
+                  </a:schemeClr>
+                </a:solidFill>
+                <a:latin typeface="+mj-lt"/>
+              </a:rPr>
+              <a:t>Following this, a </a:t>
+            </a:r>
+            <a:r>
+              <a:rPr lang="en-US" dirty="0">
+                <a:solidFill>
+                  <a:schemeClr val="accent6">
+                    <a:lumMod val="75000"/>
+                  </a:schemeClr>
+                </a:solidFill>
+                <a:latin typeface="+mj-lt"/>
+              </a:rPr>
+              <a:t>LSTM</a:t>
+            </a:r>
+            <a:r>
+              <a:rPr lang="en-US" sz="1800" dirty="0">
+                <a:solidFill>
+                  <a:schemeClr val="accent6">
+                    <a:lumMod val="75000"/>
+                  </a:schemeClr>
+                </a:solidFill>
+                <a:latin typeface="+mj-lt"/>
+              </a:rPr>
+              <a:t> layer captures temporal dependencies in both forward and reverse directions. </a:t>
+            </a:r>
+            <a:br>
+              <a:rPr lang="en-US" sz="1800" dirty="0">
+                <a:solidFill>
+                  <a:schemeClr val="accent6">
+                    <a:lumMod val="75000"/>
+                  </a:schemeClr>
+                </a:solidFill>
+                <a:latin typeface="+mj-lt"/>
+              </a:rPr>
+            </a:br>
+            <a:endParaRPr lang="en-US" sz="1800" dirty="0">
+              <a:solidFill>
+                <a:schemeClr val="accent6">
+                  <a:lumMod val="75000"/>
+                </a:schemeClr>
+              </a:solidFill>
+              <a:latin typeface="+mj-lt"/>
+            </a:endParaRPr>
+          </a:p>
+          <a:p>
+            <a:pPr marL="285750" indent="-285750">
+              <a:buFont typeface="Arial" panose="020B0604020202020204" pitchFamily="34" charset="0"/>
+              <a:buChar char="•"/>
+            </a:pPr>
+            <a:r>
+              <a:rPr lang="en-US" sz="1800" dirty="0">
+                <a:solidFill>
+                  <a:schemeClr val="accent6">
+                    <a:lumMod val="75000"/>
+                  </a:schemeClr>
+                </a:solidFill>
+                <a:latin typeface="+mj-lt"/>
+              </a:rPr>
+              <a:t>The network then uses two fully connected layers to further process the information and produce the final output. </a:t>
+            </a:r>
+            <a:br>
+              <a:rPr lang="en-US" sz="1800" dirty="0">
+                <a:solidFill>
+                  <a:schemeClr val="accent6">
+                    <a:lumMod val="75000"/>
+                  </a:schemeClr>
+                </a:solidFill>
+                <a:latin typeface="+mj-lt"/>
+              </a:rPr>
+            </a:br>
+            <a:endParaRPr lang="en-US" sz="1800" dirty="0">
+              <a:solidFill>
+                <a:schemeClr val="accent6">
+                  <a:lumMod val="75000"/>
+                </a:schemeClr>
+              </a:solidFill>
+              <a:latin typeface="+mj-lt"/>
+            </a:endParaRPr>
+          </a:p>
+          <a:p>
+            <a:pPr marL="285750" indent="-285750">
+              <a:buFont typeface="Arial" panose="020B0604020202020204" pitchFamily="34" charset="0"/>
+              <a:buChar char="•"/>
+            </a:pPr>
+            <a:r>
+              <a:rPr lang="en-US" sz="1800" dirty="0">
+                <a:solidFill>
+                  <a:schemeClr val="accent6">
+                    <a:lumMod val="75000"/>
+                  </a:schemeClr>
+                </a:solidFill>
+                <a:latin typeface="+mj-lt"/>
+              </a:rPr>
+              <a:t>Additionally, it employs batch normalization to ensure stable and efficient training. The model is flexible, allowing for adjustments in layer sizes and the use of dropout for regularization.</a:t>
+            </a:r>
+            <a:endParaRPr lang="en-US" dirty="0">
+              <a:solidFill>
+                <a:schemeClr val="accent6">
+                  <a:lumMod val="75000"/>
+                </a:schemeClr>
+              </a:solidFill>
+              <a:latin typeface="+mj-lt"/>
+            </a:endParaRPr>
+          </a:p>
+        </p:txBody>
+      </p:sp>
+      <p:sp>
+        <p:nvSpPr>
+          <p:cNvPr id="3" name="Title 2">
+            <a:extLst>
+              <a:ext uri="{FF2B5EF4-FFF2-40B4-BE49-F238E27FC236}">
+                <a16:creationId xmlns:a16="http://schemas.microsoft.com/office/drawing/2014/main" id="{BE6B70E1-EBFA-0A8C-9A13-AAE5322E8280}"/>
+              </a:ext>
+            </a:extLst>
+          </p:cNvPr>
+          <p:cNvSpPr>
+            <a:spLocks noGrp="1"/>
+          </p:cNvSpPr>
+          <p:nvPr>
+            <p:ph type="title"/>
+          </p:nvPr>
+        </p:nvSpPr>
+        <p:spPr>
+          <a:xfrm>
+            <a:off x="491961" y="-3247"/>
+            <a:ext cx="7345937" cy="999746"/>
+          </a:xfrm>
+        </p:spPr>
+        <p:txBody>
+          <a:bodyPr/>
+          <a:lstStyle/>
+          <a:p>
+            <a:r>
+              <a:rPr lang="en-US" sz="2800" b="0" dirty="0">
+                <a:ea typeface="+mj-lt"/>
+                <a:cs typeface="+mj-lt"/>
+              </a:rPr>
+              <a:t>Neural Network Architecture </a:t>
+            </a:r>
+            <a:endParaRPr lang="en-US" sz="2800" b="0"/>
+          </a:p>
+        </p:txBody>
+      </p:sp>
+    </p:spTree>
+    <p:extLst>
+      <p:ext uri="{BB962C8B-B14F-4D97-AF65-F5344CB8AC3E}">
+        <p14:creationId xmlns:p14="http://schemas.microsoft.com/office/powerpoint/2010/main" val="3313031762"/>
+      </p:ext>
+    </p:extLst>
+  </p:cSld>
+  <p:clrMapOvr>
+    <a:masterClrMapping/>
+  </p:clrMapOvr>
+</p:sld>
+</file>
+
+<file path=ppt/slides/slide11.xml><?xml version="1.0" encoding="utf-8"?>
+<p:sld xmlns:a="http://schemas.openxmlformats.org/drawingml/2006/main" xmlns:r="http://schemas.openxmlformats.org/officeDocument/2006/relationships" xmlns:p="http://schemas.openxmlformats.org/presentationml/2006/main">
+  <p:cSld>
+    <p:spTree>
+      <p:nvGrpSpPr>
+        <p:cNvPr id="1" name=""/>
+        <p:cNvGrpSpPr/>
+        <p:nvPr/>
+      </p:nvGrpSpPr>
+      <p:grpSpPr>
+        <a:xfrm>
+          <a:off x="0" y="0"/>
+          <a:ext cx="0" cy="0"/>
+          <a:chOff x="0" y="0"/>
+          <a:chExt cx="0" cy="0"/>
+        </a:xfrm>
+      </p:grpSpPr>
       <p:sp>
         <p:nvSpPr>
           <p:cNvPr id="2" name="Title 1">
@@ -17674,12 +17950,15 @@
           <a:lstStyle/>
           <a:p>
             <a:r>
-              <a:rPr lang="en-US" dirty="0">
-                <a:latin typeface="Arial" panose="020B0604020202020204" pitchFamily="34" charset="0"/>
-                <a:cs typeface="Arial" panose="020B0604020202020204" pitchFamily="34" charset="0"/>
+              <a:rPr lang="en-US" b="0" dirty="0">
+                <a:latin typeface="Arial Black"/>
+                <a:cs typeface="Segoe UI"/>
               </a:rPr>
-              <a:t>Two different approaches</a:t>
+              <a:t>experimental results </a:t>
             </a:r>
+            <a:endParaRPr lang="en-US">
+              <a:latin typeface="Arial Black"/>
+            </a:endParaRPr>
           </a:p>
         </p:txBody>
       </p:sp>
@@ -17698,7 +17977,7 @@
         <p:spPr>
           <a:xfrm>
             <a:off x="756337" y="2452914"/>
-            <a:ext cx="9875377" cy="1754326"/>
+            <a:ext cx="9875377" cy="2585323"/>
           </a:xfrm>
           <a:prstGeom prst="rect">
             <a:avLst/>
@@ -17706,7 +17985,7 @@
           <a:noFill/>
         </p:spPr>
         <p:txBody>
-          <a:bodyPr wrap="square" rtlCol="0">
+          <a:bodyPr wrap="square" lIns="91440" tIns="45720" rIns="91440" bIns="45720" rtlCol="0" anchor="t">
             <a:spAutoFit/>
           </a:bodyPr>
           <a:lstStyle/>
@@ -17720,7 +17999,7 @@
                 </a:solidFill>
                 <a:latin typeface="+mj-lt"/>
               </a:rPr>
-              <a:t>For the architecture we consider two different set up:</a:t>
+              <a:t>For the architecture we consider three different set up:</a:t>
             </a:r>
           </a:p>
           <a:p>
@@ -17747,7 +18026,7 @@
                 </a:solidFill>
                 <a:latin typeface="+mj-lt"/>
               </a:rPr>
-              <a:t>Make the data set in a way that the model receive the 24 hours and then predict the next 6 hours</a:t>
+              <a:t>First one is to make the data set in a way that the model receive the 24 hours as input of model and then predict the next 6 hours</a:t>
             </a:r>
           </a:p>
           <a:p>
@@ -17764,8 +18043,39 @@
                 </a:solidFill>
                 <a:latin typeface="+mj-lt"/>
               </a:rPr>
-              <a:t>The other approach is the model take the last year data and predict the next month</a:t>
+              <a:t>The other approach is the model predict the next month based on the last month.</a:t>
             </a:r>
+          </a:p>
+          <a:p>
+            <a:pPr marL="342900" indent="-342900">
+              <a:buFont typeface="Arial" panose="020B0604020202020204" pitchFamily="34" charset="0"/>
+              <a:buChar char="•"/>
+            </a:pPr>
+            <a:r>
+              <a:rPr lang="en-US" dirty="0">
+                <a:solidFill>
+                  <a:schemeClr val="accent6">
+                    <a:lumMod val="75000"/>
+                  </a:schemeClr>
+                </a:solidFill>
+                <a:latin typeface="+mj-lt"/>
+              </a:rPr>
+              <a:t>The last approach is the model take the last year data and predict the next month</a:t>
+            </a:r>
+          </a:p>
+          <a:p>
+            <a:pPr marL="342900" indent="-342900">
+              <a:buFont typeface="Arial" panose="020B0604020202020204" pitchFamily="34" charset="0"/>
+              <a:buChar char="•"/>
+            </a:pPr>
+            <a:endParaRPr lang="en-US" dirty="0">
+              <a:solidFill>
+                <a:schemeClr val="accent6">
+                  <a:lumMod val="75000"/>
+                </a:schemeClr>
+              </a:solidFill>
+              <a:latin typeface="+mj-lt"/>
+            </a:endParaRPr>
           </a:p>
         </p:txBody>
       </p:sp>
@@ -17782,7 +18092,7 @@
 </p:sld>
 </file>
 
-<file path=ppt/slides/slide11.xml><?xml version="1.0" encoding="utf-8"?>
+<file path=ppt/slides/slide12.xml><?xml version="1.0" encoding="utf-8"?>
 <p:sld xmlns:a="http://schemas.openxmlformats.org/drawingml/2006/main" xmlns:r="http://schemas.openxmlformats.org/officeDocument/2006/relationships" xmlns:p="http://schemas.openxmlformats.org/presentationml/2006/main">
   <p:cSld>
     <p:spTree>
@@ -17828,7 +18138,7 @@
             <a:pPr algn="l"/>
             <a:r>
               <a:rPr lang="en-US" dirty="0"/>
-              <a:t>First approach</a:t>
+              <a:t>First experiment</a:t>
             </a:r>
           </a:p>
         </p:txBody>
@@ -17892,7 +18202,7 @@
             <a:fld id="{48F63A3B-78C7-47BE-AE5E-E10140E04643}" type="slidenum">
               <a:rPr lang="en-US" smtClean="0"/>
               <a:pPr/>
-              <a:t>11</a:t>
+              <a:t>12</a:t>
             </a:fld>
             <a:endParaRPr lang="en-US" dirty="0"/>
           </a:p>
@@ -17941,7 +18251,217 @@
 </p:sld>
 </file>
 
-<file path=ppt/slides/slide12.xml><?xml version="1.0" encoding="utf-8"?>
+<file path=ppt/slides/slide13.xml><?xml version="1.0" encoding="utf-8"?>
+<p:sld xmlns:a="http://schemas.openxmlformats.org/drawingml/2006/main" xmlns:r="http://schemas.openxmlformats.org/officeDocument/2006/relationships" xmlns:p="http://schemas.openxmlformats.org/presentationml/2006/main">
+  <p:cSld>
+    <p:spTree>
+      <p:nvGrpSpPr>
+        <p:cNvPr id="1" name=""/>
+        <p:cNvGrpSpPr/>
+        <p:nvPr/>
+      </p:nvGrpSpPr>
+      <p:grpSpPr>
+        <a:xfrm>
+          <a:off x="0" y="0"/>
+          <a:ext cx="0" cy="0"/>
+          <a:chOff x="0" y="0"/>
+          <a:chExt cx="0" cy="0"/>
+        </a:xfrm>
+      </p:grpSpPr>
+      <p:sp>
+        <p:nvSpPr>
+          <p:cNvPr id="2" name="Title 1">
+            <a:extLst>
+              <a:ext uri="{FF2B5EF4-FFF2-40B4-BE49-F238E27FC236}">
+                <a16:creationId xmlns:a16="http://schemas.microsoft.com/office/drawing/2014/main" id="{2B44ABF6-A3F0-6BC0-933B-F93105A5A64F}"/>
+              </a:ext>
+            </a:extLst>
+          </p:cNvPr>
+          <p:cNvSpPr>
+            <a:spLocks noGrp="1"/>
+          </p:cNvSpPr>
+          <p:nvPr>
+            <p:ph type="title"/>
+          </p:nvPr>
+        </p:nvSpPr>
+        <p:spPr>
+          <a:xfrm>
+            <a:off x="914400" y="456260"/>
+            <a:ext cx="10511627" cy="1012785"/>
+          </a:xfrm>
+        </p:spPr>
+        <p:txBody>
+          <a:bodyPr/>
+          <a:lstStyle/>
+          <a:p>
+            <a:pPr algn="l"/>
+            <a:r>
+              <a:rPr lang="en-US" dirty="0"/>
+              <a:t>second experiment</a:t>
+            </a:r>
+          </a:p>
+        </p:txBody>
+      </p:sp>
+      <p:sp>
+        <p:nvSpPr>
+          <p:cNvPr id="3" name="Content Placeholder 2">
+            <a:extLst>
+              <a:ext uri="{FF2B5EF4-FFF2-40B4-BE49-F238E27FC236}">
+                <a16:creationId xmlns:a16="http://schemas.microsoft.com/office/drawing/2014/main" id="{5E49E22A-2B2E-5400-AC73-E1C4FA99BED3}"/>
+              </a:ext>
+            </a:extLst>
+          </p:cNvPr>
+          <p:cNvSpPr>
+            <a:spLocks noGrp="1"/>
+          </p:cNvSpPr>
+          <p:nvPr>
+            <p:ph sz="quarter" idx="4"/>
+          </p:nvPr>
+        </p:nvSpPr>
+        <p:spPr>
+          <a:xfrm>
+            <a:off x="839273" y="2069222"/>
+            <a:ext cx="10511627" cy="1190332"/>
+          </a:xfrm>
+        </p:spPr>
+        <p:txBody>
+          <a:bodyPr vert="horz" lIns="91440" tIns="91440" rIns="91440" bIns="91440" rtlCol="0" anchor="t">
+            <a:normAutofit/>
+          </a:bodyPr>
+          <a:lstStyle/>
+          <a:p>
+            <a:pPr marL="347345" indent="-347345"/>
+            <a:r>
+              <a:rPr lang="en-US">
+                <a:latin typeface="Arial Black"/>
+              </a:rPr>
+              <a:t>The second approach that take a month and predict the next month is less </a:t>
+            </a:r>
+            <a:r>
+              <a:rPr lang="en-US" dirty="0">
+                <a:latin typeface="Arial Black"/>
+              </a:rPr>
+              <a:t>accurate than the previous model and as you can see the plot below show the real values(blue line) and predicted one(orange) for a month in test set.</a:t>
+            </a:r>
+            <a:endParaRPr lang="en-US" dirty="0">
+              <a:solidFill>
+                <a:srgbClr val="000000"/>
+              </a:solidFill>
+              <a:latin typeface="Arial Black"/>
+            </a:endParaRPr>
+          </a:p>
+          <a:p>
+            <a:pPr marL="347345" indent="-347345"/>
+            <a:endParaRPr lang="en-US" dirty="0">
+              <a:cs typeface="Sabon Next LT"/>
+            </a:endParaRPr>
+          </a:p>
+        </p:txBody>
+      </p:sp>
+      <p:sp>
+        <p:nvSpPr>
+          <p:cNvPr id="4" name="Slide Number Placeholder 3">
+            <a:extLst>
+              <a:ext uri="{FF2B5EF4-FFF2-40B4-BE49-F238E27FC236}">
+                <a16:creationId xmlns:a16="http://schemas.microsoft.com/office/drawing/2014/main" id="{2D8E92B0-93AA-ADA6-27D8-969C57173287}"/>
+              </a:ext>
+            </a:extLst>
+          </p:cNvPr>
+          <p:cNvSpPr>
+            <a:spLocks noGrp="1"/>
+          </p:cNvSpPr>
+          <p:nvPr>
+            <p:ph type="sldNum" sz="quarter" idx="10"/>
+          </p:nvPr>
+        </p:nvSpPr>
+        <p:spPr/>
+        <p:txBody>
+          <a:bodyPr/>
+          <a:lstStyle/>
+          <a:p>
+            <a:fld id="{48F63A3B-78C7-47BE-AE5E-E10140E04643}" type="slidenum">
+              <a:rPr lang="en-US" smtClean="0"/>
+              <a:pPr/>
+              <a:t>13</a:t>
+            </a:fld>
+            <a:endParaRPr lang="en-US" dirty="0"/>
+          </a:p>
+        </p:txBody>
+      </p:sp>
+      <p:pic>
+        <p:nvPicPr>
+          <p:cNvPr id="5" name="Picture 4" descr="A graph of blue and orange lines&#10;&#10;Description automatically generated">
+            <a:extLst>
+              <a:ext uri="{FF2B5EF4-FFF2-40B4-BE49-F238E27FC236}">
+                <a16:creationId xmlns:a16="http://schemas.microsoft.com/office/drawing/2014/main" id="{7C32D2EE-FB12-09E1-EE8D-73EC7D1134CF}"/>
+              </a:ext>
+            </a:extLst>
+          </p:cNvPr>
+          <p:cNvPicPr>
+            <a:picLocks noChangeAspect="1"/>
+          </p:cNvPicPr>
+          <p:nvPr/>
+        </p:nvPicPr>
+        <p:blipFill>
+          <a:blip r:embed="rId2"/>
+          <a:stretch>
+            <a:fillRect/>
+          </a:stretch>
+        </p:blipFill>
+        <p:spPr>
+          <a:xfrm>
+            <a:off x="493822" y="3446527"/>
+            <a:ext cx="5537916" cy="3189171"/>
+          </a:xfrm>
+          <a:prstGeom prst="rect">
+            <a:avLst/>
+          </a:prstGeom>
+        </p:spPr>
+      </p:pic>
+      <p:pic>
+        <p:nvPicPr>
+          <p:cNvPr id="6" name="Picture 5" descr="A graph with blue lines&#10;&#10;Description automatically generated">
+            <a:extLst>
+              <a:ext uri="{FF2B5EF4-FFF2-40B4-BE49-F238E27FC236}">
+                <a16:creationId xmlns:a16="http://schemas.microsoft.com/office/drawing/2014/main" id="{6893AF49-806B-F954-6DCD-B02E0C1796C9}"/>
+              </a:ext>
+            </a:extLst>
+          </p:cNvPr>
+          <p:cNvPicPr>
+            <a:picLocks noChangeAspect="1"/>
+          </p:cNvPicPr>
+          <p:nvPr/>
+        </p:nvPicPr>
+        <p:blipFill>
+          <a:blip r:embed="rId3"/>
+          <a:stretch>
+            <a:fillRect/>
+          </a:stretch>
+        </p:blipFill>
+        <p:spPr>
+          <a:xfrm>
+            <a:off x="6031606" y="3426795"/>
+            <a:ext cx="5570112" cy="3181199"/>
+          </a:xfrm>
+          <a:prstGeom prst="rect">
+            <a:avLst/>
+          </a:prstGeom>
+        </p:spPr>
+      </p:pic>
+    </p:spTree>
+    <p:extLst>
+      <p:ext uri="{BB962C8B-B14F-4D97-AF65-F5344CB8AC3E}">
+        <p14:creationId xmlns:p14="http://schemas.microsoft.com/office/powerpoint/2010/main" val="1344716965"/>
+      </p:ext>
+    </p:extLst>
+  </p:cSld>
+  <p:clrMapOvr>
+    <a:masterClrMapping/>
+  </p:clrMapOvr>
+</p:sld>
+</file>
+
+<file path=ppt/slides/slide14.xml><?xml version="1.0" encoding="utf-8"?>
 <p:sld xmlns:a="http://schemas.openxmlformats.org/drawingml/2006/main" xmlns:r="http://schemas.openxmlformats.org/officeDocument/2006/relationships" xmlns:p="http://schemas.openxmlformats.org/presentationml/2006/main">
   <p:cSld>
     <p:spTree>
@@ -17987,7 +18507,7 @@
             <a:pPr algn="l"/>
             <a:r>
               <a:rPr lang="en-US" dirty="0"/>
-              <a:t>Second approach</a:t>
+              <a:t>Third experiment</a:t>
             </a:r>
           </a:p>
         </p:txBody>
@@ -18015,15 +18535,25 @@
           </a:xfrm>
         </p:spPr>
         <p:txBody>
-          <a:bodyPr/>
+          <a:bodyPr vert="horz" lIns="91440" tIns="91440" rIns="91440" bIns="91440" rtlCol="0" anchor="t">
+            <a:normAutofit/>
+          </a:bodyPr>
           <a:lstStyle/>
           <a:p>
+            <a:pPr marL="347345" indent="-347345"/>
+            <a:r>
+              <a:rPr lang="en-US">
+                <a:latin typeface="+mj-lt"/>
+              </a:rPr>
+              <a:t>The third approach that take a year and predict the next month is more accurate than the previous models and as you can see the plot below show the </a:t>
+            </a:r>
             <a:r>
               <a:rPr lang="en-US" dirty="0">
                 <a:latin typeface="+mj-lt"/>
               </a:rPr>
-              <a:t>The second approach that take a year and predict the next month is more accurate than the previous model and as you can see the plot below show the real values(blue line) and predicted one(orange) for a month in test set.</a:t>
+              <a:t>real values(blue line) and predicted one(orange) for a month in test set.</a:t>
             </a:r>
+            <a:endParaRPr lang="en-US"/>
           </a:p>
         </p:txBody>
       </p:sp>
@@ -18051,7 +18581,7 @@
             <a:fld id="{48F63A3B-78C7-47BE-AE5E-E10140E04643}" type="slidenum">
               <a:rPr lang="en-US" smtClean="0"/>
               <a:pPr/>
-              <a:t>12</a:t>
+              <a:t>14</a:t>
             </a:fld>
             <a:endParaRPr lang="en-US" dirty="0"/>
           </a:p>
@@ -18079,8 +18609,38 @@
         </p:blipFill>
         <p:spPr>
           <a:xfrm>
-            <a:off x="1037770" y="3180704"/>
-            <a:ext cx="10276115" cy="3474096"/>
+            <a:off x="919715" y="3406084"/>
+            <a:ext cx="5425072" cy="3066265"/>
+          </a:xfrm>
+          <a:prstGeom prst="rect">
+            <a:avLst/>
+          </a:prstGeom>
+        </p:spPr>
+      </p:pic>
+      <p:pic>
+        <p:nvPicPr>
+          <p:cNvPr id="7" name="Picture 6" descr="A graph of error&#10;&#10;Description automatically generated">
+            <a:extLst>
+              <a:ext uri="{FF2B5EF4-FFF2-40B4-BE49-F238E27FC236}">
+                <a16:creationId xmlns:a16="http://schemas.microsoft.com/office/drawing/2014/main" id="{C5C4B777-EEDD-C0CF-42EE-63AFE3F0AA3F}"/>
+              </a:ext>
+            </a:extLst>
+          </p:cNvPr>
+          <p:cNvPicPr>
+            <a:picLocks noChangeAspect="1"/>
+          </p:cNvPicPr>
+          <p:nvPr/>
+        </p:nvPicPr>
+        <p:blipFill>
+          <a:blip r:embed="rId3"/>
+          <a:stretch>
+            <a:fillRect/>
+          </a:stretch>
+        </p:blipFill>
+        <p:spPr>
+          <a:xfrm>
+            <a:off x="6342843" y="3232176"/>
+            <a:ext cx="5366198" cy="3237735"/>
           </a:xfrm>
           <a:prstGeom prst="rect">
             <a:avLst/>
@@ -18100,7 +18660,7 @@
 </p:sld>
 </file>
 
-<file path=ppt/slides/slide13.xml><?xml version="1.0" encoding="utf-8"?>
+<file path=ppt/slides/slide15.xml><?xml version="1.0" encoding="utf-8"?>
 <p:sld xmlns:a="http://schemas.openxmlformats.org/drawingml/2006/main" xmlns:r="http://schemas.openxmlformats.org/officeDocument/2006/relationships" xmlns:p="http://schemas.openxmlformats.org/presentationml/2006/main">
   <p:cSld>
     <p:spTree>
@@ -18122,7 +18682,7 @@
           <p:cNvPr id="2" name="Title 1">
             <a:extLst>
               <a:ext uri="{FF2B5EF4-FFF2-40B4-BE49-F238E27FC236}">
-                <a16:creationId xmlns:a16="http://schemas.microsoft.com/office/drawing/2014/main" id="{16707CA0-08E2-A504-B556-EB7D2022CBA6}"/>
+                <a16:creationId xmlns:a16="http://schemas.microsoft.com/office/drawing/2014/main" id="{146E61C5-AA56-F1D1-2BC3-A0FE1AF44C40}"/>
               </a:ext>
             </a:extLst>
           </p:cNvPr>
@@ -18133,33 +18693,106 @@
             <p:ph type="title"/>
           </p:nvPr>
         </p:nvSpPr>
-        <p:spPr>
-          <a:xfrm>
-            <a:off x="3888634" y="754230"/>
-            <a:ext cx="7043617" cy="1076326"/>
-          </a:xfrm>
-        </p:spPr>
+        <p:spPr/>
         <p:txBody>
           <a:bodyPr/>
           <a:lstStyle/>
           <a:p>
             <a:r>
-              <a:rPr lang="en-US" dirty="0"/>
-              <a:t>Future works</a:t>
+              <a:rPr lang="en-US" dirty="0">
+                <a:cs typeface="Arial"/>
+              </a:rPr>
+              <a:t>conclusion</a:t>
             </a:r>
-            <a:br>
-              <a:rPr lang="en-US" dirty="0"/>
-            </a:br>
             <a:endParaRPr lang="en-US" dirty="0"/>
           </a:p>
         </p:txBody>
       </p:sp>
       <p:sp>
         <p:nvSpPr>
-          <p:cNvPr id="3" name="Slide Number Placeholder 2">
+          <p:cNvPr id="3" name="Content Placeholder 2">
             <a:extLst>
               <a:ext uri="{FF2B5EF4-FFF2-40B4-BE49-F238E27FC236}">
-                <a16:creationId xmlns:a16="http://schemas.microsoft.com/office/drawing/2014/main" id="{CB15E39F-6D42-F1D6-566D-F5AA1F7F36E6}"/>
+                <a16:creationId xmlns:a16="http://schemas.microsoft.com/office/drawing/2014/main" id="{0D95FFE9-16DA-879B-705E-F0AAD5117B30}"/>
+              </a:ext>
+            </a:extLst>
+          </p:cNvPr>
+          <p:cNvSpPr>
+            <a:spLocks noGrp="1"/>
+          </p:cNvSpPr>
+          <p:nvPr>
+            <p:ph sz="half" idx="2"/>
+          </p:nvPr>
+        </p:nvSpPr>
+        <p:spPr>
+          <a:xfrm>
+            <a:off x="3460565" y="2923626"/>
+            <a:ext cx="7965460" cy="2877101"/>
+          </a:xfrm>
+        </p:spPr>
+        <p:txBody>
+          <a:bodyPr vert="horz" lIns="91440" tIns="0" rIns="91440" bIns="0" rtlCol="0" anchor="t">
+            <a:normAutofit/>
+          </a:bodyPr>
+          <a:lstStyle/>
+          <a:p>
+            <a:pPr marL="347345" indent="-347345"/>
+            <a:r>
+              <a:rPr lang="en-US" dirty="0">
+                <a:latin typeface="Arial Black"/>
+                <a:ea typeface="+mn-lt"/>
+                <a:cs typeface="+mn-lt"/>
+              </a:rPr>
+              <a:t>Developed a neural network model using LSTM to predict carbon intensity in HPC systems.</a:t>
+            </a:r>
+            <a:endParaRPr lang="en-US" dirty="0">
+              <a:latin typeface="Arial Black"/>
+              <a:cs typeface="Sabon Next LT"/>
+            </a:endParaRPr>
+          </a:p>
+          <a:p>
+            <a:pPr marL="347345" indent="-347345"/>
+            <a:r>
+              <a:rPr lang="en-US">
+                <a:latin typeface="Arial Black"/>
+                <a:ea typeface="+mn-lt"/>
+                <a:cs typeface="+mn-lt"/>
+              </a:rPr>
+              <a:t>Achieved the best prediction accuracy by using a year’s data to predict the following month.</a:t>
+            </a:r>
+            <a:endParaRPr lang="en-US">
+              <a:latin typeface="Arial Black"/>
+            </a:endParaRPr>
+          </a:p>
+          <a:p>
+            <a:pPr marL="347345" indent="-347345"/>
+            <a:r>
+              <a:rPr lang="en-US" dirty="0">
+                <a:latin typeface="Arial Black"/>
+                <a:ea typeface="+mn-lt"/>
+                <a:cs typeface="+mn-lt"/>
+              </a:rPr>
+              <a:t>Demonstrated potential for optimizing HPC job scheduling to reduce carbon emissions.</a:t>
+            </a:r>
+            <a:endParaRPr lang="en-US" dirty="0">
+              <a:latin typeface="Arial Black"/>
+            </a:endParaRPr>
+          </a:p>
+          <a:p>
+            <a:pPr marL="347345" indent="-347345"/>
+            <a:endParaRPr lang="en-US" dirty="0">
+              <a:latin typeface="Arial Black"/>
+              <a:cs typeface="Sabon Next LT"/>
+            </a:endParaRPr>
+          </a:p>
+        </p:txBody>
+      </p:sp>
+      <p:sp>
+        <p:nvSpPr>
+          <p:cNvPr id="4" name="Slide Number Placeholder 3">
+            <a:extLst>
+              <a:ext uri="{FF2B5EF4-FFF2-40B4-BE49-F238E27FC236}">
+                <a16:creationId xmlns:a16="http://schemas.microsoft.com/office/drawing/2014/main" id="{49FF3683-AE06-01D8-174F-9BA66DAC8EFA}"/>
               </a:ext>
             </a:extLst>
           </p:cNvPr>
@@ -18178,41 +18811,16 @@
             <a:fld id="{48F63A3B-78C7-47BE-AE5E-E10140E04643}" type="slidenum">
               <a:rPr lang="en-US" smtClean="0"/>
               <a:pPr/>
-              <a:t>13</a:t>
+              <a:t>15</a:t>
             </a:fld>
             <a:endParaRPr lang="en-US" dirty="0"/>
-          </a:p>
-        </p:txBody>
-      </p:sp>
-      <p:sp>
-        <p:nvSpPr>
-          <p:cNvPr id="4" name="Content Placeholder 3">
-            <a:extLst>
-              <a:ext uri="{FF2B5EF4-FFF2-40B4-BE49-F238E27FC236}">
-                <a16:creationId xmlns:a16="http://schemas.microsoft.com/office/drawing/2014/main" id="{5FEF9B82-0371-0DDC-8E88-ACE09CF5D0CE}"/>
-              </a:ext>
-            </a:extLst>
-          </p:cNvPr>
-          <p:cNvSpPr>
-            <a:spLocks noGrp="1"/>
-          </p:cNvSpPr>
-          <p:nvPr>
-            <p:ph idx="11"/>
-          </p:nvPr>
-        </p:nvSpPr>
-        <p:spPr/>
-        <p:txBody>
-          <a:bodyPr/>
-          <a:lstStyle/>
-          <a:p>
-            <a:endParaRPr lang="en-US"/>
           </a:p>
         </p:txBody>
       </p:sp>
     </p:spTree>
     <p:extLst>
       <p:ext uri="{BB962C8B-B14F-4D97-AF65-F5344CB8AC3E}">
-        <p14:creationId xmlns:p14="http://schemas.microsoft.com/office/powerpoint/2010/main" val="2129457077"/>
+        <p14:creationId xmlns:p14="http://schemas.microsoft.com/office/powerpoint/2010/main" val="1306092191"/>
       </p:ext>
     </p:extLst>
   </p:cSld>
@@ -18222,7 +18830,7 @@
 </p:sld>
 </file>
 
-<file path=ppt/slides/slide14.xml><?xml version="1.0" encoding="utf-8"?>
+<file path=ppt/slides/slide16.xml><?xml version="1.0" encoding="utf-8"?>
 <p:sld xmlns:a="http://schemas.openxmlformats.org/drawingml/2006/main" xmlns:r="http://schemas.openxmlformats.org/officeDocument/2006/relationships" xmlns:p="http://schemas.openxmlformats.org/presentationml/2006/main">
   <p:cSld>
     <p:spTree>
@@ -18314,6 +18922,260 @@
           <p:cNvPr id="2" name="Title 1">
             <a:extLst>
               <a:ext uri="{FF2B5EF4-FFF2-40B4-BE49-F238E27FC236}">
+                <a16:creationId xmlns:a16="http://schemas.microsoft.com/office/drawing/2014/main" id="{7989F39C-8928-A271-8F4F-47259288043C}"/>
+              </a:ext>
+            </a:extLst>
+          </p:cNvPr>
+          <p:cNvSpPr>
+            <a:spLocks noGrp="1"/>
+          </p:cNvSpPr>
+          <p:nvPr>
+            <p:ph type="title"/>
+          </p:nvPr>
+        </p:nvSpPr>
+        <p:spPr>
+          <a:xfrm>
+            <a:off x="3875624" y="297602"/>
+            <a:ext cx="7053024" cy="786054"/>
+          </a:xfrm>
+        </p:spPr>
+        <p:txBody>
+          <a:bodyPr/>
+          <a:lstStyle/>
+          <a:p>
+            <a:r>
+              <a:rPr lang="en-US" dirty="0"/>
+              <a:t>outline</a:t>
+            </a:r>
+          </a:p>
+        </p:txBody>
+      </p:sp>
+      <p:sp>
+        <p:nvSpPr>
+          <p:cNvPr id="3" name="Slide Number Placeholder 2">
+            <a:extLst>
+              <a:ext uri="{FF2B5EF4-FFF2-40B4-BE49-F238E27FC236}">
+                <a16:creationId xmlns:a16="http://schemas.microsoft.com/office/drawing/2014/main" id="{250E4BC2-0A62-542A-42AF-F17896CC0E16}"/>
+              </a:ext>
+            </a:extLst>
+          </p:cNvPr>
+          <p:cNvSpPr>
+            <a:spLocks noGrp="1"/>
+          </p:cNvSpPr>
+          <p:nvPr>
+            <p:ph type="sldNum" sz="quarter" idx="10"/>
+          </p:nvPr>
+        </p:nvSpPr>
+        <p:spPr/>
+        <p:txBody>
+          <a:bodyPr/>
+          <a:lstStyle/>
+          <a:p>
+            <a:fld id="{48F63A3B-78C7-47BE-AE5E-E10140E04643}" type="slidenum">
+              <a:rPr lang="en-US" smtClean="0"/>
+              <a:pPr/>
+              <a:t>2</a:t>
+            </a:fld>
+            <a:endParaRPr lang="en-US" dirty="0"/>
+          </a:p>
+        </p:txBody>
+      </p:sp>
+      <p:sp>
+        <p:nvSpPr>
+          <p:cNvPr id="4" name="Content Placeholder 3">
+            <a:extLst>
+              <a:ext uri="{FF2B5EF4-FFF2-40B4-BE49-F238E27FC236}">
+                <a16:creationId xmlns:a16="http://schemas.microsoft.com/office/drawing/2014/main" id="{BF87DAC8-0322-3762-B489-E935D1BFEF0C}"/>
+              </a:ext>
+            </a:extLst>
+          </p:cNvPr>
+          <p:cNvSpPr>
+            <a:spLocks noGrp="1"/>
+          </p:cNvSpPr>
+          <p:nvPr>
+            <p:ph idx="11"/>
+          </p:nvPr>
+        </p:nvSpPr>
+        <p:spPr>
+          <a:xfrm>
+            <a:off x="3883731" y="2024842"/>
+            <a:ext cx="7053025" cy="3645711"/>
+          </a:xfrm>
+        </p:spPr>
+        <p:txBody>
+          <a:bodyPr vert="horz" lIns="91440" tIns="0" rIns="91440" bIns="0" rtlCol="0" anchor="t">
+            <a:normAutofit/>
+          </a:bodyPr>
+          <a:lstStyle/>
+          <a:p>
+            <a:pPr marL="285750" indent="-285750">
+              <a:buChar char="•"/>
+            </a:pPr>
+            <a:r>
+              <a:rPr lang="en-US" sz="1800" dirty="0">
+                <a:latin typeface="Arial Black"/>
+                <a:ea typeface="+mn-lt"/>
+                <a:cs typeface="+mn-lt"/>
+              </a:rPr>
+              <a:t>Introduction</a:t>
+            </a:r>
+            <a:endParaRPr lang="en-US" sz="1800" dirty="0">
+              <a:latin typeface="Arial Black"/>
+              <a:cs typeface="Sabon Next LT"/>
+            </a:endParaRPr>
+          </a:p>
+          <a:p>
+            <a:pPr marL="285750" indent="-285750">
+              <a:buChar char="•"/>
+            </a:pPr>
+            <a:endParaRPr lang="en-US" sz="1800" dirty="0">
+              <a:latin typeface="Arial Black"/>
+              <a:cs typeface="Sabon Next LT"/>
+            </a:endParaRPr>
+          </a:p>
+          <a:p>
+            <a:pPr marL="285750" indent="-285750">
+              <a:buChar char="•"/>
+            </a:pPr>
+            <a:r>
+              <a:rPr lang="en-US" sz="1800" dirty="0">
+                <a:latin typeface="Arial Black"/>
+                <a:cs typeface="Sabon Next LT"/>
+              </a:rPr>
+              <a:t>Idea and Objectives of the project</a:t>
+            </a:r>
+          </a:p>
+          <a:p>
+            <a:pPr marL="285750" indent="-285750">
+              <a:buChar char="•"/>
+            </a:pPr>
+            <a:endParaRPr lang="en-US" sz="1800" dirty="0">
+              <a:latin typeface="Arial Black"/>
+              <a:ea typeface="+mn-lt"/>
+              <a:cs typeface="+mn-lt"/>
+            </a:endParaRPr>
+          </a:p>
+          <a:p>
+            <a:pPr marL="285750" indent="-285750">
+              <a:buChar char="•"/>
+            </a:pPr>
+            <a:r>
+              <a:rPr lang="en-US" sz="1800" dirty="0">
+                <a:latin typeface="Arial Black"/>
+                <a:ea typeface="+mn-lt"/>
+                <a:cs typeface="+mn-lt"/>
+              </a:rPr>
+              <a:t>Data exploration </a:t>
+            </a:r>
+          </a:p>
+          <a:p>
+            <a:pPr marL="285750" indent="-285750">
+              <a:buChar char="•"/>
+            </a:pPr>
+            <a:endParaRPr lang="en-US" sz="1800" dirty="0">
+              <a:latin typeface="Arial Black"/>
+              <a:ea typeface="+mn-lt"/>
+              <a:cs typeface="+mn-lt"/>
+            </a:endParaRPr>
+          </a:p>
+          <a:p>
+            <a:pPr marL="285750" indent="-285750">
+              <a:buChar char="•"/>
+            </a:pPr>
+            <a:r>
+              <a:rPr lang="en-US" sz="1800" dirty="0">
+                <a:latin typeface="Arial Black"/>
+                <a:ea typeface="+mn-lt"/>
+                <a:cs typeface="+mn-lt"/>
+              </a:rPr>
+              <a:t>Neural Network Architecture Overview</a:t>
+            </a:r>
+          </a:p>
+          <a:p>
+            <a:pPr marL="633095" lvl="1" indent="-285750">
+              <a:buChar char="•"/>
+            </a:pPr>
+            <a:endParaRPr lang="en-US" sz="1800" dirty="0">
+              <a:latin typeface="Arial Black"/>
+              <a:ea typeface="+mn-lt"/>
+              <a:cs typeface="+mn-lt"/>
+            </a:endParaRPr>
+          </a:p>
+          <a:p>
+            <a:pPr marL="285750" indent="-285750">
+              <a:buChar char="•"/>
+            </a:pPr>
+            <a:r>
+              <a:rPr lang="en-US" sz="1800" dirty="0">
+                <a:latin typeface="Arial Black"/>
+                <a:ea typeface="+mn-lt"/>
+                <a:cs typeface="Segoe UI"/>
+              </a:rPr>
+              <a:t>experimental results </a:t>
+            </a:r>
+            <a:endParaRPr lang="en-US" sz="1800" dirty="0">
+              <a:latin typeface="Arial Black"/>
+              <a:ea typeface="+mn-lt"/>
+              <a:cs typeface="+mn-lt"/>
+            </a:endParaRPr>
+          </a:p>
+          <a:p>
+            <a:pPr marL="633095" lvl="1" indent="-285750"/>
+            <a:endParaRPr lang="en-US" sz="1800" dirty="0">
+              <a:latin typeface="Arial Black"/>
+              <a:ea typeface="+mn-lt"/>
+              <a:cs typeface="+mn-lt"/>
+            </a:endParaRPr>
+          </a:p>
+          <a:p>
+            <a:pPr marL="285750" indent="-285750">
+              <a:buChar char="•"/>
+            </a:pPr>
+            <a:r>
+              <a:rPr lang="en-US" sz="1800" dirty="0">
+                <a:latin typeface="Arial Black"/>
+                <a:cs typeface="Sabon Next LT"/>
+              </a:rPr>
+              <a:t>Conclusion </a:t>
+            </a:r>
+          </a:p>
+        </p:txBody>
+      </p:sp>
+    </p:spTree>
+    <p:extLst>
+      <p:ext uri="{BB962C8B-B14F-4D97-AF65-F5344CB8AC3E}">
+        <p14:creationId xmlns:p14="http://schemas.microsoft.com/office/powerpoint/2010/main" val="920115993"/>
+      </p:ext>
+    </p:extLst>
+  </p:cSld>
+  <p:clrMapOvr>
+    <a:masterClrMapping/>
+  </p:clrMapOvr>
+</p:sld>
+</file>
+
+<file path=ppt/slides/slide3.xml><?xml version="1.0" encoding="utf-8"?>
+<p:sld xmlns:a="http://schemas.openxmlformats.org/drawingml/2006/main" xmlns:r="http://schemas.openxmlformats.org/officeDocument/2006/relationships" xmlns:p="http://schemas.openxmlformats.org/presentationml/2006/main">
+  <p:cSld>
+    <p:spTree>
+      <p:nvGrpSpPr>
+        <p:cNvPr id="1" name=""/>
+        <p:cNvGrpSpPr/>
+        <p:nvPr/>
+      </p:nvGrpSpPr>
+      <p:grpSpPr>
+        <a:xfrm>
+          <a:off x="0" y="0"/>
+          <a:ext cx="0" cy="0"/>
+          <a:chOff x="0" y="0"/>
+          <a:chExt cx="0" cy="0"/>
+        </a:xfrm>
+      </p:grpSpPr>
+      <p:sp>
+        <p:nvSpPr>
+          <p:cNvPr id="2" name="Title 1">
+            <a:extLst>
+              <a:ext uri="{FF2B5EF4-FFF2-40B4-BE49-F238E27FC236}">
                 <a16:creationId xmlns:a16="http://schemas.microsoft.com/office/drawing/2014/main" id="{D54EDA75-0988-2AC2-87F8-8DEC83A7B9CA}"/>
               </a:ext>
             </a:extLst>
@@ -18337,7 +19199,7 @@
           <a:p>
             <a:r>
               <a:rPr lang="en-US" dirty="0"/>
-              <a:t>Green Computing</a:t>
+              <a:t>introduction</a:t>
             </a:r>
           </a:p>
         </p:txBody>
@@ -18433,7 +19295,7 @@
         <p:spPr>
           <a:xfrm>
             <a:off x="792480" y="5659489"/>
-            <a:ext cx="6332183" cy="215444"/>
+            <a:ext cx="6667210" cy="215444"/>
           </a:xfrm>
           <a:prstGeom prst="rect">
             <a:avLst/>
@@ -18441,13 +19303,13 @@
           <a:noFill/>
         </p:spPr>
         <p:txBody>
-          <a:bodyPr wrap="none" rtlCol="0">
+          <a:bodyPr wrap="none" lIns="91440" tIns="45720" rIns="91440" bIns="45720" rtlCol="0" anchor="t">
             <a:spAutoFit/>
           </a:bodyPr>
           <a:lstStyle/>
           <a:p>
             <a:r>
-              <a:rPr lang="en-US" sz="800" b="0" i="0" dirty="0">
+              <a:rPr lang="en-US" sz="800" b="1" i="0" dirty="0">
                 <a:solidFill>
                   <a:srgbClr val="333333"/>
                 </a:solidFill>
@@ -18460,7 +19322,7 @@
               <a:t>S. G. Paul </a:t>
             </a:r>
             <a:r>
-              <a:rPr lang="en-US" sz="800" b="0" i="1" dirty="0">
+              <a:rPr lang="en-US" sz="800" b="1" i="1" dirty="0">
                 <a:solidFill>
                   <a:srgbClr val="333333"/>
                 </a:solidFill>
@@ -18473,7 +19335,7 @@
               <a:t>et al</a:t>
             </a:r>
             <a:r>
-              <a:rPr lang="en-US" sz="800" b="0" i="0" dirty="0">
+              <a:rPr lang="en-US" sz="800" b="1" i="0" dirty="0">
                 <a:solidFill>
                   <a:srgbClr val="333333"/>
                 </a:solidFill>
@@ -18486,7 +19348,7 @@
               <a:t>., "A Comprehensive Review of Green Computing: Past, Present, and Future Research," in </a:t>
             </a:r>
             <a:r>
-              <a:rPr lang="en-US" sz="800" b="0" i="1" dirty="0">
+              <a:rPr lang="en-US" sz="800" b="1" i="1" dirty="0">
                 <a:solidFill>
                   <a:srgbClr val="333333"/>
                 </a:solidFill>
@@ -18499,7 +19361,7 @@
               <a:t>IEEE Access</a:t>
             </a:r>
             <a:r>
-              <a:rPr lang="en-US" sz="800" b="0" i="0" dirty="0">
+              <a:rPr lang="en-US" sz="800" b="1" i="0" dirty="0">
                 <a:solidFill>
                   <a:srgbClr val="333333"/>
                 </a:solidFill>
@@ -18509,9 +19371,36 @@
                 </a:highlight>
                 <a:latin typeface="HelveticaNeue Regular"/>
               </a:rPr>
-              <a:t>, vol. 11,  2023</a:t>
+              <a:t>, vol. 11,</a:t>
             </a:r>
-            <a:endParaRPr lang="en-US" sz="800" dirty="0"/>
+            <a:r>
+              <a:rPr lang="en-US" sz="800" b="1" dirty="0">
+                <a:solidFill>
+                  <a:srgbClr val="333333"/>
+                </a:solidFill>
+                <a:highlight>
+                  <a:srgbClr val="FFFFFF"/>
+                </a:highlight>
+                <a:latin typeface="HelveticaNeue Regular"/>
+              </a:rPr>
+              <a:t> </a:t>
+            </a:r>
+            <a:r>
+              <a:rPr lang="en-US" sz="800" b="1" i="0" dirty="0">
+                <a:solidFill>
+                  <a:srgbClr val="333333"/>
+                </a:solidFill>
+                <a:effectLst/>
+                <a:highlight>
+                  <a:srgbClr val="FFFFFF"/>
+                </a:highlight>
+                <a:latin typeface="HelveticaNeue Regular"/>
+              </a:rPr>
+              <a:t> 2023</a:t>
+            </a:r>
+            <a:endParaRPr lang="en-US" sz="800" b="1">
+              <a:cs typeface="Sabon Next LT"/>
+            </a:endParaRPr>
           </a:p>
         </p:txBody>
       </p:sp>
@@ -18528,7 +19417,7 @@
 </p:sld>
 </file>
 
-<file path=ppt/slides/slide3.xml><?xml version="1.0" encoding="utf-8"?>
+<file path=ppt/slides/slide4.xml><?xml version="1.0" encoding="utf-8"?>
 <p:sld xmlns:a="http://schemas.openxmlformats.org/drawingml/2006/main" xmlns:r="http://schemas.openxmlformats.org/officeDocument/2006/relationships" xmlns:p="http://schemas.openxmlformats.org/presentationml/2006/main">
   <p:cSld>
     <p:spTree>
@@ -18562,9 +19451,9 @@
           </p:nvPr>
         </p:nvSpPr>
         <p:spPr>
-          <a:xfrm flipV="1">
-            <a:off x="914400" y="-137160"/>
-            <a:ext cx="5259554" cy="1194435"/>
+          <a:xfrm>
+            <a:off x="875122" y="530945"/>
+            <a:ext cx="5220276" cy="1052286"/>
           </a:xfrm>
         </p:spPr>
         <p:txBody>
@@ -18601,8 +19490,8 @@
           </a:xfrm>
         </p:spPr>
         <p:txBody>
-          <a:bodyPr>
-            <a:normAutofit/>
+          <a:bodyPr vert="horz" lIns="91440" tIns="0" rIns="91440" bIns="0" rtlCol="0" anchor="t">
+            <a:normAutofit lnSpcReduction="10000"/>
           </a:bodyPr>
           <a:lstStyle/>
           <a:p>
@@ -18617,9 +19506,11 @@
                     <a:lumMod val="75000"/>
                   </a:schemeClr>
                 </a:solidFill>
-                <a:latin typeface="+mj-lt"/>
+                <a:latin typeface="Arial Black"/>
+                <a:ea typeface="+mn-lt"/>
+                <a:cs typeface="+mn-lt"/>
               </a:rPr>
-              <a:t>There are numerous ways in which large computing facilities impact the environment: energy production, hardware manufacturing, long-term storage management, cooling, maintenance, etc.</a:t>
+              <a:t>Computing systems impact the environment at various stages of their life cycle. This includes the production phase, where silicon is processed, and the packaging and manufacturing of hardware occur. During operation, energy consumption contributes to environmental strain, and after their useful life, these systems generate electronic waste, posing significant recycling challenges.</a:t>
             </a:r>
           </a:p>
           <a:p>
@@ -18697,6 +19588,68 @@
           </a:prstGeom>
         </p:spPr>
       </p:pic>
+      <p:sp>
+        <p:nvSpPr>
+          <p:cNvPr id="6" name="Title 1">
+            <a:extLst>
+              <a:ext uri="{FF2B5EF4-FFF2-40B4-BE49-F238E27FC236}">
+                <a16:creationId xmlns:a16="http://schemas.microsoft.com/office/drawing/2014/main" id="{AE40E186-6AB7-1325-05CE-83F069D556BD}"/>
+              </a:ext>
+            </a:extLst>
+          </p:cNvPr>
+          <p:cNvSpPr txBox="1">
+            <a:spLocks/>
+          </p:cNvSpPr>
+          <p:nvPr/>
+        </p:nvSpPr>
+        <p:spPr>
+          <a:xfrm>
+            <a:off x="871870" y="782717"/>
+            <a:ext cx="6253339" cy="553817"/>
+          </a:xfrm>
+          <a:prstGeom prst="rect">
+            <a:avLst/>
+          </a:prstGeom>
+        </p:spPr>
+        <p:txBody>
+          <a:bodyPr vert="horz" lIns="91440" tIns="0" rIns="91440" bIns="0" rtlCol="0" anchor="b" anchorCtr="0">
+            <a:noAutofit/>
+          </a:bodyPr>
+          <a:lstStyle>
+            <a:lvl1pPr algn="l" defTabSz="914400" rtl="0" eaLnBrk="1" latinLnBrk="0" hangingPunct="1">
+              <a:lnSpc>
+                <a:spcPct val="100000"/>
+              </a:lnSpc>
+              <a:spcBef>
+                <a:spcPct val="0"/>
+              </a:spcBef>
+              <a:buNone/>
+              <a:defRPr sz="3600" b="1" kern="1200" cap="all" baseline="0">
+                <a:solidFill>
+                  <a:schemeClr val="accent6"/>
+                </a:solidFill>
+                <a:latin typeface="+mj-lt"/>
+                <a:ea typeface="+mj-ea"/>
+                <a:cs typeface="+mj-cs"/>
+              </a:defRPr>
+            </a:lvl1pPr>
+          </a:lstStyle>
+          <a:p>
+            <a:r>
+              <a:rPr lang="en-US" dirty="0"/>
+              <a:t>Introduction </a:t>
+            </a:r>
+            <a:r>
+              <a:rPr lang="en-US" b="0" dirty="0">
+                <a:ea typeface="+mj-lt"/>
+                <a:cs typeface="+mj-lt"/>
+              </a:rPr>
+              <a:t>(cont.)</a:t>
+            </a:r>
+            <a:endParaRPr lang="en-US" dirty="0"/>
+          </a:p>
+        </p:txBody>
+      </p:sp>
     </p:spTree>
     <p:extLst>
       <p:ext uri="{BB962C8B-B14F-4D97-AF65-F5344CB8AC3E}">
@@ -18710,7 +19663,7 @@
 </p:sld>
 </file>
 
-<file path=ppt/slides/slide4.xml><?xml version="1.0" encoding="utf-8"?>
+<file path=ppt/slides/slide5.xml><?xml version="1.0" encoding="utf-8"?>
 <p:sld xmlns:a="http://schemas.openxmlformats.org/drawingml/2006/main" xmlns:r="http://schemas.openxmlformats.org/officeDocument/2006/relationships" xmlns:p="http://schemas.openxmlformats.org/presentationml/2006/main">
   <p:cSld>
     <p:spTree>
@@ -18783,11 +19736,12 @@
           </a:xfrm>
         </p:spPr>
         <p:txBody>
-          <a:bodyPr>
+          <a:bodyPr vert="horz" lIns="91440" tIns="0" rIns="91440" bIns="0" rtlCol="0" anchor="t">
             <a:noAutofit/>
           </a:bodyPr>
           <a:lstStyle/>
           <a:p>
+            <a:pPr marL="347345" indent="-347345"/>
             <a:r>
               <a:rPr lang="en-US" dirty="0">
                 <a:solidFill>
@@ -18797,10 +19751,11 @@
                 </a:solidFill>
                 <a:latin typeface="+mj-lt"/>
               </a:rPr>
-              <a:t>Data centers generate the same amount of carbon emissions as global airlines.</a:t>
+              <a:t>Data centers generate the same amount of carbon emissions as global airlines.(1)</a:t>
             </a:r>
           </a:p>
           <a:p>
+            <a:pPr marL="347345" indent="-347345"/>
             <a:r>
               <a:rPr lang="en-US" dirty="0">
                 <a:solidFill>
@@ -18810,10 +19765,11 @@
                 </a:solidFill>
                 <a:latin typeface="+mj-lt"/>
               </a:rPr>
-              <a:t>Recent studies estimate that computing and communication technology sectors are responsible for 2% of global carbon emissions.</a:t>
+              <a:t>Recent studies estimate that computing and communication technology sectors are responsible for 2% of global carbon emissions.(2)</a:t>
             </a:r>
           </a:p>
           <a:p>
+            <a:pPr marL="347345" indent="-347345"/>
             <a:r>
               <a:rPr lang="en-US" b="0" i="0" dirty="0">
                 <a:solidFill>
@@ -18891,6 +19847,7 @@
             </a:r>
           </a:p>
           <a:p>
+            <a:pPr marL="347345" indent="-347345"/>
             <a:r>
               <a:rPr lang="en-US" b="0" i="0" dirty="0">
                 <a:solidFill>
@@ -18907,7 +19864,7 @@
               <a:t>Aviation — while it often gets the most attention in discussions on action against climate change — accounts for 11.6% of transport emissions. It emits just under one billion </a:t>
             </a:r>
             <a:r>
-              <a:rPr lang="en-US" b="0" i="0" dirty="0" err="1">
+              <a:rPr lang="en-US" b="0" i="0" err="1">
                 <a:solidFill>
                   <a:schemeClr val="accent6">
                     <a:lumMod val="75000"/>
@@ -18964,7 +19921,36 @@
                 </a:highlight>
                 <a:latin typeface="+mj-lt"/>
               </a:rPr>
-              <a:t> each year — around 2.5% of total global emissions.</a:t>
+              <a:t> each year — around 2.5% of total global </a:t>
+            </a:r>
+            <a:r>
+              <a:rPr lang="en-US" b="0" i="0">
+                <a:solidFill>
+                  <a:schemeClr val="accent6">
+                    <a:lumMod val="75000"/>
+                  </a:schemeClr>
+                </a:solidFill>
+                <a:effectLst/>
+                <a:highlight>
+                  <a:srgbClr val="FFFFFF"/>
+                </a:highlight>
+                <a:latin typeface="+mj-lt"/>
+              </a:rPr>
+              <a:t>emissions</a:t>
+            </a:r>
+            <a:r>
+              <a:rPr lang="en-US">
+                <a:solidFill>
+                  <a:schemeClr val="accent6">
+                    <a:lumMod val="75000"/>
+                  </a:schemeClr>
+                </a:solidFill>
+                <a:highlight>
+                  <a:srgbClr val="FFFFFF"/>
+                </a:highlight>
+                <a:latin typeface="+mj-lt"/>
+              </a:rPr>
+              <a:t>.(2)</a:t>
             </a:r>
             <a:endParaRPr lang="en-US" dirty="0">
               <a:solidFill>
@@ -19006,7 +19992,7 @@
             <a:fld id="{48F63A3B-78C7-47BE-AE5E-E10140E04643}" type="slidenum">
               <a:rPr lang="en-US" smtClean="0"/>
               <a:pPr/>
-              <a:t>4</a:t>
+              <a:t>5</a:t>
             </a:fld>
             <a:endParaRPr lang="en-US" dirty="0"/>
           </a:p>
@@ -19077,22 +20063,30 @@
           </a:bodyPr>
           <a:lstStyle/>
           <a:p>
-            <a:pPr marL="0" marR="0" lvl="0" indent="0" algn="l" defTabSz="914400" rtl="0" eaLnBrk="0" fontAlgn="base" latinLnBrk="0" hangingPunct="0">
-              <a:lnSpc>
-                <a:spcPct val="100000"/>
-              </a:lnSpc>
+            <a:pPr defTabSz="914400" eaLnBrk="0" fontAlgn="base" hangingPunct="0">
               <a:spcBef>
                 <a:spcPct val="0"/>
               </a:spcBef>
               <a:spcAft>
                 <a:spcPct val="0"/>
               </a:spcAft>
-              <a:buClrTx/>
-              <a:buSzTx/>
-              <a:buFontTx/>
-              <a:buNone/>
-              <a:tabLst/>
             </a:pPr>
+            <a:r>
+              <a:rPr lang="en-US" sz="900" dirty="0">
+                <a:solidFill>
+                  <a:schemeClr val="tx1">
+                    <a:lumMod val="50000"/>
+                    <a:lumOff val="50000"/>
+                  </a:schemeClr>
+                </a:solidFill>
+                <a:highlight>
+                  <a:srgbClr val="FFFFFF"/>
+                </a:highlight>
+                <a:latin typeface="Arial"/>
+                <a:cs typeface="Arial"/>
+              </a:rPr>
+              <a:t>(1) </a:t>
+            </a:r>
             <a:r>
               <a:rPr lang="en-US" sz="900" b="0" i="0" dirty="0">
                 <a:solidFill>
@@ -19105,8 +20099,8 @@
                 <a:highlight>
                   <a:srgbClr val="FFFFFF"/>
                 </a:highlight>
-                <a:latin typeface="Arial" panose="020B0604020202020204" pitchFamily="34" charset="0"/>
-                <a:cs typeface="Arial" panose="020B0604020202020204" pitchFamily="34" charset="0"/>
+                <a:latin typeface="Arial"/>
+                <a:cs typeface="Arial"/>
               </a:rPr>
               <a:t>Khosravi, Atefeh, Saurabh Kumar Garg, and Rajkumar </a:t>
             </a:r>
@@ -19122,8 +20116,8 @@
                 <a:highlight>
                   <a:srgbClr val="FFFFFF"/>
                 </a:highlight>
-                <a:latin typeface="Arial" panose="020B0604020202020204" pitchFamily="34" charset="0"/>
-                <a:cs typeface="Arial" panose="020B0604020202020204" pitchFamily="34" charset="0"/>
+                <a:latin typeface="Arial"/>
+                <a:cs typeface="Arial"/>
               </a:rPr>
               <a:t>Buyya</a:t>
             </a:r>
@@ -19139,8 +20133,8 @@
                 <a:highlight>
                   <a:srgbClr val="FFFFFF"/>
                 </a:highlight>
-                <a:latin typeface="Arial" panose="020B0604020202020204" pitchFamily="34" charset="0"/>
-                <a:cs typeface="Arial" panose="020B0604020202020204" pitchFamily="34" charset="0"/>
+                <a:latin typeface="Arial"/>
+                <a:cs typeface="Arial"/>
               </a:rPr>
               <a:t>. "Energy and carbon-efficient placement of virtual machines in distributed cloud data centers." </a:t>
             </a:r>
@@ -19156,8 +20150,8 @@
                 <a:highlight>
                   <a:srgbClr val="FFFFFF"/>
                 </a:highlight>
-                <a:latin typeface="Arial" panose="020B0604020202020204" pitchFamily="34" charset="0"/>
-                <a:cs typeface="Arial" panose="020B0604020202020204" pitchFamily="34" charset="0"/>
+                <a:latin typeface="Arial"/>
+                <a:cs typeface="Arial"/>
               </a:rPr>
               <a:t>Euro-Par 2013 Parallel Processing: 19th International Conference, Aachen, Germany, August 26-30, 2013. Proceedings 19</a:t>
             </a:r>
@@ -19173,8 +20167,8 @@
                 <a:highlight>
                   <a:srgbClr val="FFFFFF"/>
                 </a:highlight>
-                <a:latin typeface="Arial" panose="020B0604020202020204" pitchFamily="34" charset="0"/>
-                <a:cs typeface="Arial" panose="020B0604020202020204" pitchFamily="34" charset="0"/>
+                <a:latin typeface="Arial"/>
+                <a:cs typeface="Arial"/>
               </a:rPr>
               <a:t>. Springer Berlin Heidelberg, 2013.</a:t>
             </a:r>
@@ -19189,27 +20183,32 @@
                 </a:schemeClr>
               </a:solidFill>
               <a:effectLst/>
-              <a:latin typeface="Arial" panose="020B0604020202020204" pitchFamily="34" charset="0"/>
-              <a:cs typeface="Arial" panose="020B0604020202020204" pitchFamily="34" charset="0"/>
+              <a:latin typeface="Arial"/>
+              <a:cs typeface="Arial"/>
             </a:endParaRPr>
           </a:p>
           <a:p>
-            <a:pPr marL="0" marR="0" lvl="0" indent="0" algn="l" defTabSz="914400" rtl="0" eaLnBrk="0" fontAlgn="base" latinLnBrk="0" hangingPunct="0">
-              <a:lnSpc>
-                <a:spcPct val="100000"/>
-              </a:lnSpc>
+            <a:pPr defTabSz="914400" eaLnBrk="0" fontAlgn="base" hangingPunct="0">
               <a:spcBef>
                 <a:spcPct val="0"/>
               </a:spcBef>
               <a:spcAft>
                 <a:spcPct val="0"/>
               </a:spcAft>
-              <a:buClrTx/>
-              <a:buSzTx/>
-              <a:buFontTx/>
-              <a:buNone/>
-              <a:tabLst/>
             </a:pPr>
+            <a:r>
+              <a:rPr lang="en-US" altLang="en-US" sz="900" dirty="0">
+                <a:solidFill>
+                  <a:schemeClr val="tx1">
+                    <a:lumMod val="50000"/>
+                    <a:lumOff val="50000"/>
+                  </a:schemeClr>
+                </a:solidFill>
+                <a:latin typeface="Arial"/>
+                <a:cs typeface="Arial"/>
+              </a:rPr>
+              <a:t>(2) </a:t>
+            </a:r>
             <a:r>
               <a:rPr kumimoji="0" lang="en-US" altLang="en-US" sz="900" b="0" i="0" u="none" strike="noStrike" cap="none" normalizeH="0" baseline="0" dirty="0">
                 <a:ln>
@@ -19222,11 +20221,25 @@
                   </a:schemeClr>
                 </a:solidFill>
                 <a:effectLst/>
-                <a:latin typeface="Arial" panose="020B0604020202020204" pitchFamily="34" charset="0"/>
-                <a:cs typeface="Arial" panose="020B0604020202020204" pitchFamily="34" charset="0"/>
+                <a:latin typeface="Arial"/>
+                <a:cs typeface="Arial"/>
               </a:rPr>
               <a:t>https://ourworldindata.org/co2-emissions-from-transport </a:t>
             </a:r>
+            <a:endParaRPr lang="en-US" altLang="en-US" sz="900" b="0" i="0" u="none" strike="noStrike" cap="none" normalizeH="0" baseline="0" dirty="0">
+              <a:ln>
+                <a:noFill/>
+              </a:ln>
+              <a:solidFill>
+                <a:schemeClr val="tx1">
+                  <a:lumMod val="50000"/>
+                  <a:lumOff val="50000"/>
+                </a:schemeClr>
+              </a:solidFill>
+              <a:effectLst/>
+              <a:latin typeface="Arial"/>
+              <a:cs typeface="Arial"/>
+            </a:endParaRPr>
           </a:p>
         </p:txBody>
       </p:sp>
@@ -19243,7 +20256,7 @@
 </p:sld>
 </file>
 
-<file path=ppt/slides/slide5.xml><?xml version="1.0" encoding="utf-8"?>
+<file path=ppt/slides/slide6.xml><?xml version="1.0" encoding="utf-8"?>
 <p:sld xmlns:a="http://schemas.openxmlformats.org/drawingml/2006/main" xmlns:r="http://schemas.openxmlformats.org/officeDocument/2006/relationships" xmlns:p="http://schemas.openxmlformats.org/presentationml/2006/main">
   <p:cSld>
     <p:spTree>
@@ -19322,7 +20335,7 @@
             <a:fld id="{48F63A3B-78C7-47BE-AE5E-E10140E04643}" type="slidenum">
               <a:rPr lang="en-US" smtClean="0"/>
               <a:pPr/>
-              <a:t>5</a:t>
+              <a:t>6</a:t>
             </a:fld>
             <a:endParaRPr lang="en-US" dirty="0"/>
           </a:p>
@@ -19488,393 +20501,7 @@
 </p:sld>
 </file>
 
-<file path=ppt/slides/slide6.xml><?xml version="1.0" encoding="utf-8"?>
-<p:sld xmlns:a="http://schemas.openxmlformats.org/drawingml/2006/main" xmlns:r="http://schemas.openxmlformats.org/officeDocument/2006/relationships" xmlns:p="http://schemas.openxmlformats.org/presentationml/2006/main">
-  <p:cSld>
-    <p:spTree>
-      <p:nvGrpSpPr>
-        <p:cNvPr id="1" name=""/>
-        <p:cNvGrpSpPr/>
-        <p:nvPr/>
-      </p:nvGrpSpPr>
-      <p:grpSpPr>
-        <a:xfrm>
-          <a:off x="0" y="0"/>
-          <a:ext cx="0" cy="0"/>
-          <a:chOff x="0" y="0"/>
-          <a:chExt cx="0" cy="0"/>
-        </a:xfrm>
-      </p:grpSpPr>
-      <p:sp>
-        <p:nvSpPr>
-          <p:cNvPr id="5" name="Title 4">
-            <a:extLst>
-              <a:ext uri="{FF2B5EF4-FFF2-40B4-BE49-F238E27FC236}">
-                <a16:creationId xmlns:a16="http://schemas.microsoft.com/office/drawing/2014/main" id="{2136FCF6-982C-CC37-9625-3EBFC7E7DD13}"/>
-              </a:ext>
-            </a:extLst>
-          </p:cNvPr>
-          <p:cNvSpPr>
-            <a:spLocks noGrp="1"/>
-          </p:cNvSpPr>
-          <p:nvPr>
-            <p:ph type="title"/>
-          </p:nvPr>
-        </p:nvSpPr>
-        <p:spPr>
-          <a:xfrm>
-            <a:off x="1417321" y="716281"/>
-            <a:ext cx="10012680" cy="471490"/>
-          </a:xfrm>
-        </p:spPr>
-        <p:txBody>
-          <a:bodyPr/>
-          <a:lstStyle/>
-          <a:p>
-            <a:r>
-              <a:rPr lang="en-US" dirty="0"/>
-              <a:t>data</a:t>
-            </a:r>
-          </a:p>
-        </p:txBody>
-      </p:sp>
-      <p:sp>
-        <p:nvSpPr>
-          <p:cNvPr id="4" name="Text Placeholder 3">
-            <a:extLst>
-              <a:ext uri="{FF2B5EF4-FFF2-40B4-BE49-F238E27FC236}">
-                <a16:creationId xmlns:a16="http://schemas.microsoft.com/office/drawing/2014/main" id="{97DCC342-9FD1-7055-EAAC-008DC851B13F}"/>
-              </a:ext>
-            </a:extLst>
-          </p:cNvPr>
-          <p:cNvSpPr>
-            <a:spLocks noGrp="1"/>
-          </p:cNvSpPr>
-          <p:nvPr>
-            <p:ph type="body" sz="quarter" idx="13"/>
-          </p:nvPr>
-        </p:nvSpPr>
-        <p:spPr>
-          <a:xfrm>
-            <a:off x="944880" y="1585198"/>
-            <a:ext cx="10420244" cy="1721882"/>
-          </a:xfrm>
-        </p:spPr>
-        <p:txBody>
-          <a:bodyPr/>
-          <a:lstStyle/>
-          <a:p>
-            <a:pPr marL="285750" indent="-285750">
-              <a:buFont typeface="Arial" panose="020B0604020202020204" pitchFamily="34" charset="0"/>
-              <a:buChar char="•"/>
-            </a:pPr>
-            <a:r>
-              <a:rPr lang="en-US" dirty="0">
-                <a:solidFill>
-                  <a:schemeClr val="accent6">
-                    <a:lumMod val="75000"/>
-                  </a:schemeClr>
-                </a:solidFill>
-                <a:latin typeface="+mj-lt"/>
-              </a:rPr>
-              <a:t>From 2021 to 2023, in a data center, each hours, the amount of data has been recorded and data set is created as shown in the picture.</a:t>
-            </a:r>
-          </a:p>
-          <a:p>
-            <a:pPr marL="285750" indent="-285750">
-              <a:buFont typeface="Arial" panose="020B0604020202020204" pitchFamily="34" charset="0"/>
-              <a:buChar char="•"/>
-            </a:pPr>
-            <a:r>
-              <a:rPr lang="en-US" dirty="0">
-                <a:solidFill>
-                  <a:schemeClr val="accent6">
-                    <a:lumMod val="75000"/>
-                  </a:schemeClr>
-                </a:solidFill>
-                <a:latin typeface="+mj-lt"/>
-              </a:rPr>
-              <a:t>For this project we consider only one column of  “</a:t>
-            </a:r>
-            <a:r>
-              <a:rPr lang="en-US" b="1" i="0" dirty="0">
-                <a:solidFill>
-                  <a:schemeClr val="accent6">
-                    <a:lumMod val="75000"/>
-                  </a:schemeClr>
-                </a:solidFill>
-                <a:effectLst/>
-                <a:highlight>
-                  <a:srgbClr val="FFFFFF"/>
-                </a:highlight>
-                <a:latin typeface="+mj-lt"/>
-              </a:rPr>
-              <a:t>Carbon Intensity gCO₂eq/kWh (direct)”.</a:t>
-            </a:r>
-            <a:endParaRPr lang="en-US" dirty="0">
-              <a:solidFill>
-                <a:schemeClr val="accent6">
-                  <a:lumMod val="75000"/>
-                </a:schemeClr>
-              </a:solidFill>
-              <a:latin typeface="+mj-lt"/>
-            </a:endParaRPr>
-          </a:p>
-        </p:txBody>
-      </p:sp>
-      <p:sp>
-        <p:nvSpPr>
-          <p:cNvPr id="2" name="Slide Number Placeholder 1">
-            <a:extLst>
-              <a:ext uri="{FF2B5EF4-FFF2-40B4-BE49-F238E27FC236}">
-                <a16:creationId xmlns:a16="http://schemas.microsoft.com/office/drawing/2014/main" id="{A913EEC9-16E3-6C86-97D0-A7EC7EA09CDA}"/>
-              </a:ext>
-            </a:extLst>
-          </p:cNvPr>
-          <p:cNvSpPr>
-            <a:spLocks noGrp="1"/>
-          </p:cNvSpPr>
-          <p:nvPr>
-            <p:ph type="sldNum" sz="quarter" idx="10"/>
-          </p:nvPr>
-        </p:nvSpPr>
-        <p:spPr>
-          <a:xfrm>
-            <a:off x="10358437" y="457199"/>
-            <a:ext cx="1067589" cy="471489"/>
-          </a:xfrm>
-        </p:spPr>
-        <p:txBody>
-          <a:bodyPr/>
-          <a:lstStyle/>
-          <a:p>
-            <a:fld id="{48F63A3B-78C7-47BE-AE5E-E10140E04643}" type="slidenum">
-              <a:rPr lang="en-US" smtClean="0"/>
-              <a:pPr/>
-              <a:t>6</a:t>
-            </a:fld>
-            <a:endParaRPr lang="en-US" dirty="0"/>
-          </a:p>
-        </p:txBody>
-      </p:sp>
-      <p:pic>
-        <p:nvPicPr>
-          <p:cNvPr id="9" name="Content Placeholder 8">
-            <a:extLst>
-              <a:ext uri="{FF2B5EF4-FFF2-40B4-BE49-F238E27FC236}">
-                <a16:creationId xmlns:a16="http://schemas.microsoft.com/office/drawing/2014/main" id="{B74785F0-5D45-0CAF-FA46-54CC2353E44B}"/>
-              </a:ext>
-            </a:extLst>
-          </p:cNvPr>
-          <p:cNvPicPr>
-            <a:picLocks noGrp="1" noChangeAspect="1"/>
-          </p:cNvPicPr>
-          <p:nvPr>
-            <p:ph sz="half" idx="1"/>
-          </p:nvPr>
-        </p:nvPicPr>
-        <p:blipFill>
-          <a:blip r:embed="rId3"/>
-          <a:stretch>
-            <a:fillRect/>
-          </a:stretch>
-        </p:blipFill>
-        <p:spPr>
-          <a:xfrm>
-            <a:off x="601980" y="3704507"/>
-            <a:ext cx="10515600" cy="2679429"/>
-          </a:xfrm>
-        </p:spPr>
-      </p:pic>
-    </p:spTree>
-    <p:extLst>
-      <p:ext uri="{BB962C8B-B14F-4D97-AF65-F5344CB8AC3E}">
-        <p14:creationId xmlns:p14="http://schemas.microsoft.com/office/powerpoint/2010/main" val="3969996159"/>
-      </p:ext>
-    </p:extLst>
-  </p:cSld>
-  <p:clrMapOvr>
-    <a:masterClrMapping/>
-  </p:clrMapOvr>
-</p:sld>
-</file>
-
 <file path=ppt/slides/slide7.xml><?xml version="1.0" encoding="utf-8"?>
-<p:sld xmlns:a="http://schemas.openxmlformats.org/drawingml/2006/main" xmlns:r="http://schemas.openxmlformats.org/officeDocument/2006/relationships" xmlns:p="http://schemas.openxmlformats.org/presentationml/2006/main">
-  <p:cSld>
-    <p:spTree>
-      <p:nvGrpSpPr>
-        <p:cNvPr id="1" name=""/>
-        <p:cNvGrpSpPr/>
-        <p:nvPr/>
-      </p:nvGrpSpPr>
-      <p:grpSpPr>
-        <a:xfrm>
-          <a:off x="0" y="0"/>
-          <a:ext cx="0" cy="0"/>
-          <a:chOff x="0" y="0"/>
-          <a:chExt cx="0" cy="0"/>
-        </a:xfrm>
-      </p:grpSpPr>
-      <p:sp>
-        <p:nvSpPr>
-          <p:cNvPr id="3" name="Title 2">
-            <a:extLst>
-              <a:ext uri="{FF2B5EF4-FFF2-40B4-BE49-F238E27FC236}">
-                <a16:creationId xmlns:a16="http://schemas.microsoft.com/office/drawing/2014/main" id="{38D62608-F5E4-7EC0-5EF0-4F988DDDEC5B}"/>
-              </a:ext>
-            </a:extLst>
-          </p:cNvPr>
-          <p:cNvSpPr>
-            <a:spLocks noGrp="1"/>
-          </p:cNvSpPr>
-          <p:nvPr>
-            <p:ph type="title"/>
-          </p:nvPr>
-        </p:nvSpPr>
-        <p:spPr>
-          <a:xfrm>
-            <a:off x="476250" y="428815"/>
-            <a:ext cx="9875463" cy="999746"/>
-          </a:xfrm>
-        </p:spPr>
-        <p:txBody>
-          <a:bodyPr/>
-          <a:lstStyle/>
-          <a:p>
-            <a:r>
-              <a:rPr lang="en-US" dirty="0"/>
-              <a:t>Data exploration</a:t>
-            </a:r>
-          </a:p>
-        </p:txBody>
-      </p:sp>
-      <p:sp>
-        <p:nvSpPr>
-          <p:cNvPr id="12" name="Content Placeholder 3">
-            <a:extLst>
-              <a:ext uri="{FF2B5EF4-FFF2-40B4-BE49-F238E27FC236}">
-                <a16:creationId xmlns:a16="http://schemas.microsoft.com/office/drawing/2014/main" id="{288BD9B8-D6A6-D55A-830D-4D3CC2DC3933}"/>
-              </a:ext>
-            </a:extLst>
-          </p:cNvPr>
-          <p:cNvSpPr>
-            <a:spLocks noGrp="1"/>
-          </p:cNvSpPr>
-          <p:nvPr>
-            <p:ph sz="half" idx="2"/>
-          </p:nvPr>
-        </p:nvSpPr>
-        <p:spPr>
-          <a:xfrm>
-            <a:off x="637616" y="1625132"/>
-            <a:ext cx="11056726" cy="1552691"/>
-          </a:xfrm>
-        </p:spPr>
-        <p:txBody>
-          <a:bodyPr>
-            <a:noAutofit/>
-          </a:bodyPr>
-          <a:lstStyle/>
-          <a:p>
-            <a:r>
-              <a:rPr lang="en-US" dirty="0"/>
-              <a:t>After some data processing, we found some patterns in carbon emission during these three years.</a:t>
-            </a:r>
-          </a:p>
-          <a:p>
-            <a:r>
-              <a:rPr lang="en-US" dirty="0"/>
-              <a:t>In some particular hours of day like at 11 or on Thursday and Wednesday or on May and June the carbon emission are lower than other times.</a:t>
-            </a:r>
-          </a:p>
-          <a:p>
-            <a:r>
-              <a:rPr lang="en-US" dirty="0"/>
-              <a:t>So we can do some predictions to reduce the carbon emission based on the time that the operation will be done.</a:t>
-            </a:r>
-          </a:p>
-        </p:txBody>
-      </p:sp>
-      <p:sp>
-        <p:nvSpPr>
-          <p:cNvPr id="2" name="Slide Number Placeholder 1">
-            <a:extLst>
-              <a:ext uri="{FF2B5EF4-FFF2-40B4-BE49-F238E27FC236}">
-                <a16:creationId xmlns:a16="http://schemas.microsoft.com/office/drawing/2014/main" id="{1DCFAD14-1AAA-8CDA-A49B-523FD6C66F35}"/>
-              </a:ext>
-            </a:extLst>
-          </p:cNvPr>
-          <p:cNvSpPr>
-            <a:spLocks noGrp="1"/>
-          </p:cNvSpPr>
-          <p:nvPr>
-            <p:ph type="sldNum" sz="quarter" idx="10"/>
-          </p:nvPr>
-        </p:nvSpPr>
-        <p:spPr>
-          <a:xfrm>
-            <a:off x="10438475" y="457199"/>
-            <a:ext cx="987552" cy="471489"/>
-          </a:xfrm>
-        </p:spPr>
-        <p:txBody>
-          <a:bodyPr/>
-          <a:lstStyle/>
-          <a:p>
-            <a:fld id="{48F63A3B-78C7-47BE-AE5E-E10140E04643}" type="slidenum">
-              <a:rPr lang="en-US" smtClean="0"/>
-              <a:pPr/>
-              <a:t>7</a:t>
-            </a:fld>
-            <a:endParaRPr lang="en-US" dirty="0"/>
-          </a:p>
-        </p:txBody>
-      </p:sp>
-      <p:pic>
-        <p:nvPicPr>
-          <p:cNvPr id="7" name="Picture 6">
-            <a:extLst>
-              <a:ext uri="{FF2B5EF4-FFF2-40B4-BE49-F238E27FC236}">
-                <a16:creationId xmlns:a16="http://schemas.microsoft.com/office/drawing/2014/main" id="{DCB6133F-BDC3-5549-8B27-301A8C2DC555}"/>
-              </a:ext>
-            </a:extLst>
-          </p:cNvPr>
-          <p:cNvPicPr>
-            <a:picLocks noChangeAspect="1"/>
-          </p:cNvPicPr>
-          <p:nvPr/>
-        </p:nvPicPr>
-        <p:blipFill>
-          <a:blip r:embed="rId3"/>
-          <a:stretch>
-            <a:fillRect/>
-          </a:stretch>
-        </p:blipFill>
-        <p:spPr>
-          <a:xfrm>
-            <a:off x="400050" y="3291840"/>
-            <a:ext cx="11391900" cy="3236074"/>
-          </a:xfrm>
-          <a:prstGeom prst="rect">
-            <a:avLst/>
-          </a:prstGeom>
-        </p:spPr>
-      </p:pic>
-    </p:spTree>
-    <p:extLst>
-      <p:ext uri="{BB962C8B-B14F-4D97-AF65-F5344CB8AC3E}">
-        <p14:creationId xmlns:p14="http://schemas.microsoft.com/office/powerpoint/2010/main" val="2498021601"/>
-      </p:ext>
-    </p:extLst>
-  </p:cSld>
-  <p:clrMapOvr>
-    <a:masterClrMapping/>
-  </p:clrMapOvr>
-</p:sld>
-</file>
-
-<file path=ppt/slides/slide8.xml><?xml version="1.0" encoding="utf-8"?>
 <p:sld xmlns:a="http://schemas.openxmlformats.org/drawingml/2006/main" xmlns:r="http://schemas.openxmlformats.org/officeDocument/2006/relationships" xmlns:p="http://schemas.openxmlformats.org/presentationml/2006/main">
   <p:cSld>
     <p:spTree>
@@ -19942,15 +20569,32 @@
         </p:nvSpPr>
         <p:spPr>
           <a:xfrm>
-            <a:off x="544285" y="2426834"/>
-            <a:ext cx="7206343" cy="4143375"/>
+            <a:off x="544285" y="2094129"/>
+            <a:ext cx="7249272" cy="3832137"/>
           </a:xfrm>
         </p:spPr>
         <p:txBody>
-          <a:bodyPr>
+          <a:bodyPr vert="horz" lIns="91440" tIns="0" rIns="91440" bIns="0" rtlCol="0" anchor="t">
             <a:normAutofit/>
           </a:bodyPr>
           <a:lstStyle/>
+          <a:p>
+            <a:pPr>
+              <a:buFont typeface="Arial" panose="020B0604020202020204" pitchFamily="34" charset="0"/>
+              <a:buChar char="•"/>
+            </a:pPr>
+            <a:r>
+              <a:rPr lang="en-US" dirty="0">
+                <a:latin typeface="Arial Black"/>
+                <a:cs typeface="Segoe UI"/>
+              </a:rPr>
+              <a:t>This project aims to create a carbon intensity (CI) predictor for HPC systems. When an HPC job is received, the system will use this predictor to decide whether to run the job immediately or delay it to reduce carbon emissions.</a:t>
+            </a:r>
+            <a:endParaRPr lang="en-US">
+              <a:latin typeface="Arial Black"/>
+              <a:cs typeface="Segoe UI"/>
+            </a:endParaRPr>
+          </a:p>
           <a:p>
             <a:pPr>
               <a:buFont typeface="Arial" panose="020B0604020202020204" pitchFamily="34" charset="0"/>
@@ -19960,19 +20604,21 @@
               <a:rPr lang="en-US" dirty="0">
                 <a:latin typeface="+mj-lt"/>
               </a:rPr>
-              <a:t>The purpose of this project is to build a predictor that when a task is received for doing something, the system decide to do it now or postpone it to another time to reduce the carbon.</a:t>
+              <a:t>The architecture that is used as predictor is LSTM </a:t>
             </a:r>
-          </a:p>
-          <a:p>
-            <a:pPr>
-              <a:buFont typeface="Arial" panose="020B0604020202020204" pitchFamily="34" charset="0"/>
-              <a:buChar char="•"/>
-            </a:pPr>
+            <a:r>
+              <a:rPr lang="en-US" dirty="0">
+                <a:latin typeface="Arial Black"/>
+                <a:ea typeface="+mn-lt"/>
+                <a:cs typeface="+mn-lt"/>
+              </a:rPr>
+              <a:t>(Long Short-Term Memory)</a:t>
+            </a:r>
             <a:r>
               <a:rPr lang="en-US" dirty="0">
                 <a:latin typeface="+mj-lt"/>
               </a:rPr>
-              <a:t>The architecture that is used as predictor is LSTM and it is implemented in </a:t>
+              <a:t> and it is implemented in </a:t>
             </a:r>
             <a:r>
               <a:rPr lang="en-US" dirty="0" err="1">
@@ -19986,6 +20632,23 @@
               </a:rPr>
               <a:t>.</a:t>
             </a:r>
+          </a:p>
+          <a:p>
+            <a:pPr>
+              <a:buFont typeface="Arial" panose="020B0604020202020204" pitchFamily="34" charset="0"/>
+              <a:buChar char="•"/>
+            </a:pPr>
+            <a:r>
+              <a:rPr lang="en-US" dirty="0">
+                <a:latin typeface="Arial Black"/>
+                <a:ea typeface="+mn-lt"/>
+                <a:cs typeface="+mn-lt"/>
+              </a:rPr>
+              <a:t>LSTM networks are effective in modeling time series data by capturing long-term dependencies, overcoming the vanishing gradient problem in traditional RNNs (Hochreiter &amp; Schmidhuber, 1997).</a:t>
+            </a:r>
+            <a:endParaRPr lang="en-US" dirty="0">
+              <a:latin typeface="Arial Black"/>
+            </a:endParaRPr>
           </a:p>
         </p:txBody>
       </p:sp>
@@ -20018,7 +20681,7 @@
             <a:fld id="{48F63A3B-78C7-47BE-AE5E-E10140E04643}" type="slidenum">
               <a:rPr lang="en-US" smtClean="0"/>
               <a:pPr/>
-              <a:t>8</a:t>
+              <a:t>7</a:t>
             </a:fld>
             <a:endParaRPr lang="en-US" dirty="0"/>
           </a:p>
@@ -20098,10 +20761,316 @@
           </a:extLst>
         </p:spPr>
       </p:pic>
+      <p:sp>
+        <p:nvSpPr>
+          <p:cNvPr id="2" name="TextBox 1">
+            <a:extLst>
+              <a:ext uri="{FF2B5EF4-FFF2-40B4-BE49-F238E27FC236}">
+                <a16:creationId xmlns:a16="http://schemas.microsoft.com/office/drawing/2014/main" id="{C5EFA590-C5EF-D914-937D-2B485D39D72E}"/>
+              </a:ext>
+            </a:extLst>
+          </p:cNvPr>
+          <p:cNvSpPr txBox="1"/>
+          <p:nvPr/>
+        </p:nvSpPr>
+        <p:spPr>
+          <a:xfrm>
+            <a:off x="731433" y="6464931"/>
+            <a:ext cx="7111284" cy="230832"/>
+          </a:xfrm>
+          <a:prstGeom prst="rect">
+            <a:avLst/>
+          </a:prstGeom>
+          <a:noFill/>
+        </p:spPr>
+        <p:txBody>
+          <a:bodyPr rot="0" spcFirstLastPara="0" vertOverflow="overflow" horzOverflow="overflow" vert="horz" wrap="square" lIns="91440" tIns="45720" rIns="91440" bIns="45720" numCol="1" spcCol="0" rtlCol="0" fromWordArt="0" anchor="t" anchorCtr="0" forceAA="0" compatLnSpc="1">
+            <a:prstTxWarp prst="textNoShape">
+              <a:avLst/>
+            </a:prstTxWarp>
+            <a:spAutoFit/>
+          </a:bodyPr>
+          <a:lstStyle/>
+          <a:p>
+            <a:r>
+              <a:rPr lang="en-US" sz="900" dirty="0">
+                <a:ea typeface="+mn-lt"/>
+                <a:cs typeface="+mn-lt"/>
+              </a:rPr>
+              <a:t>Hochreiter, S., &amp; Schmidhuber, J. (1997). Long short-term memory. </a:t>
+            </a:r>
+            <a:r>
+              <a:rPr lang="en-US" sz="900" i="1" dirty="0">
+                <a:ea typeface="+mn-lt"/>
+                <a:cs typeface="+mn-lt"/>
+              </a:rPr>
+              <a:t>Neural Computation</a:t>
+            </a:r>
+            <a:r>
+              <a:rPr lang="en-US" sz="900" dirty="0">
+                <a:ea typeface="+mn-lt"/>
+                <a:cs typeface="+mn-lt"/>
+              </a:rPr>
+              <a:t>, 9(8), 1735-1780.</a:t>
+            </a:r>
+          </a:p>
+        </p:txBody>
+      </p:sp>
     </p:spTree>
     <p:extLst>
       <p:ext uri="{BB962C8B-B14F-4D97-AF65-F5344CB8AC3E}">
         <p14:creationId xmlns:p14="http://schemas.microsoft.com/office/powerpoint/2010/main" val="1941619646"/>
+      </p:ext>
+    </p:extLst>
+  </p:cSld>
+  <p:clrMapOvr>
+    <a:masterClrMapping/>
+  </p:clrMapOvr>
+</p:sld>
+</file>
+
+<file path=ppt/slides/slide8.xml><?xml version="1.0" encoding="utf-8"?>
+<p:sld xmlns:a="http://schemas.openxmlformats.org/drawingml/2006/main" xmlns:r="http://schemas.openxmlformats.org/officeDocument/2006/relationships" xmlns:p="http://schemas.openxmlformats.org/presentationml/2006/main">
+  <p:cSld>
+    <p:spTree>
+      <p:nvGrpSpPr>
+        <p:cNvPr id="1" name=""/>
+        <p:cNvGrpSpPr/>
+        <p:nvPr/>
+      </p:nvGrpSpPr>
+      <p:grpSpPr>
+        <a:xfrm>
+          <a:off x="0" y="0"/>
+          <a:ext cx="0" cy="0"/>
+          <a:chOff x="0" y="0"/>
+          <a:chExt cx="0" cy="0"/>
+        </a:xfrm>
+      </p:grpSpPr>
+      <p:sp>
+        <p:nvSpPr>
+          <p:cNvPr id="5" name="Title 4">
+            <a:extLst>
+              <a:ext uri="{FF2B5EF4-FFF2-40B4-BE49-F238E27FC236}">
+                <a16:creationId xmlns:a16="http://schemas.microsoft.com/office/drawing/2014/main" id="{2136FCF6-982C-CC37-9625-3EBFC7E7DD13}"/>
+              </a:ext>
+            </a:extLst>
+          </p:cNvPr>
+          <p:cNvSpPr>
+            <a:spLocks noGrp="1"/>
+          </p:cNvSpPr>
+          <p:nvPr>
+            <p:ph type="title"/>
+          </p:nvPr>
+        </p:nvSpPr>
+        <p:spPr>
+          <a:xfrm>
+            <a:off x="1417321" y="716281"/>
+            <a:ext cx="10012680" cy="471490"/>
+          </a:xfrm>
+        </p:spPr>
+        <p:txBody>
+          <a:bodyPr/>
+          <a:lstStyle/>
+          <a:p>
+            <a:r>
+              <a:rPr lang="en-US" dirty="0"/>
+              <a:t>data</a:t>
+            </a:r>
+          </a:p>
+        </p:txBody>
+      </p:sp>
+      <p:sp>
+        <p:nvSpPr>
+          <p:cNvPr id="4" name="Text Placeholder 3">
+            <a:extLst>
+              <a:ext uri="{FF2B5EF4-FFF2-40B4-BE49-F238E27FC236}">
+                <a16:creationId xmlns:a16="http://schemas.microsoft.com/office/drawing/2014/main" id="{97DCC342-9FD1-7055-EAAC-008DC851B13F}"/>
+              </a:ext>
+            </a:extLst>
+          </p:cNvPr>
+          <p:cNvSpPr>
+            <a:spLocks noGrp="1"/>
+          </p:cNvSpPr>
+          <p:nvPr>
+            <p:ph type="body" sz="quarter" idx="13"/>
+          </p:nvPr>
+        </p:nvSpPr>
+        <p:spPr>
+          <a:xfrm>
+            <a:off x="944880" y="1585198"/>
+            <a:ext cx="10420244" cy="1721882"/>
+          </a:xfrm>
+        </p:spPr>
+        <p:txBody>
+          <a:bodyPr/>
+          <a:lstStyle/>
+          <a:p>
+            <a:pPr marL="285750" indent="-285750">
+              <a:buFont typeface="Arial" panose="020B0604020202020204" pitchFamily="34" charset="0"/>
+              <a:buChar char="•"/>
+            </a:pPr>
+            <a:r>
+              <a:rPr lang="en-US" dirty="0">
+                <a:solidFill>
+                  <a:schemeClr val="accent6">
+                    <a:lumMod val="75000"/>
+                  </a:schemeClr>
+                </a:solidFill>
+                <a:latin typeface="Arial Black"/>
+                <a:ea typeface="+mn-lt"/>
+                <a:cs typeface="+mn-lt"/>
+              </a:rPr>
+              <a:t>There is a dataset that was created as follows: Between 2021 and 2023, data was continuously recorded every hour at a data center. This ongoing process generated a comprehensive dataset, as illustrated in the accompanying image.</a:t>
+            </a:r>
+            <a:endParaRPr lang="en-US" dirty="0">
+              <a:solidFill>
+                <a:schemeClr val="accent6">
+                  <a:lumMod val="75000"/>
+                </a:schemeClr>
+              </a:solidFill>
+              <a:latin typeface="Arial Black"/>
+            </a:endParaRPr>
+          </a:p>
+          <a:p>
+            <a:pPr marL="285750" indent="-285750">
+              <a:buFont typeface="Arial" panose="020B0604020202020204" pitchFamily="34" charset="0"/>
+              <a:buChar char="•"/>
+            </a:pPr>
+            <a:r>
+              <a:rPr lang="en-US" dirty="0">
+                <a:solidFill>
+                  <a:schemeClr val="accent6">
+                    <a:lumMod val="75000"/>
+                  </a:schemeClr>
+                </a:solidFill>
+                <a:latin typeface="+mj-lt"/>
+              </a:rPr>
+              <a:t>For this project we consider only one column of  “</a:t>
+            </a:r>
+            <a:r>
+              <a:rPr lang="en-US" b="1" i="0" dirty="0">
+                <a:solidFill>
+                  <a:schemeClr val="accent6">
+                    <a:lumMod val="75000"/>
+                  </a:schemeClr>
+                </a:solidFill>
+                <a:effectLst/>
+                <a:highlight>
+                  <a:srgbClr val="FFFFFF"/>
+                </a:highlight>
+                <a:latin typeface="+mj-lt"/>
+              </a:rPr>
+              <a:t>Carbon Intensity </a:t>
+            </a:r>
+            <a:r>
+              <a:rPr lang="en-US" b="1" i="0" dirty="0" err="1">
+                <a:solidFill>
+                  <a:schemeClr val="accent6">
+                    <a:lumMod val="75000"/>
+                  </a:schemeClr>
+                </a:solidFill>
+                <a:effectLst/>
+                <a:highlight>
+                  <a:srgbClr val="FFFFFF"/>
+                </a:highlight>
+                <a:latin typeface="+mj-lt"/>
+              </a:rPr>
+              <a:t>gCO₂eq</a:t>
+            </a:r>
+            <a:r>
+              <a:rPr lang="en-US" b="1" i="0" dirty="0">
+                <a:solidFill>
+                  <a:schemeClr val="accent6">
+                    <a:lumMod val="75000"/>
+                  </a:schemeClr>
+                </a:solidFill>
+                <a:effectLst/>
+                <a:highlight>
+                  <a:srgbClr val="FFFFFF"/>
+                </a:highlight>
+                <a:latin typeface="+mj-lt"/>
+              </a:rPr>
+              <a:t>/kWh (direct)”.</a:t>
+            </a:r>
+            <a:endParaRPr lang="en-US" dirty="0">
+              <a:solidFill>
+                <a:schemeClr val="accent6">
+                  <a:lumMod val="75000"/>
+                </a:schemeClr>
+              </a:solidFill>
+              <a:latin typeface="+mj-lt"/>
+            </a:endParaRPr>
+          </a:p>
+        </p:txBody>
+      </p:sp>
+      <p:sp>
+        <p:nvSpPr>
+          <p:cNvPr id="2" name="Slide Number Placeholder 1">
+            <a:extLst>
+              <a:ext uri="{FF2B5EF4-FFF2-40B4-BE49-F238E27FC236}">
+                <a16:creationId xmlns:a16="http://schemas.microsoft.com/office/drawing/2014/main" id="{A913EEC9-16E3-6C86-97D0-A7EC7EA09CDA}"/>
+              </a:ext>
+            </a:extLst>
+          </p:cNvPr>
+          <p:cNvSpPr>
+            <a:spLocks noGrp="1"/>
+          </p:cNvSpPr>
+          <p:nvPr>
+            <p:ph type="sldNum" sz="quarter" idx="10"/>
+          </p:nvPr>
+        </p:nvSpPr>
+        <p:spPr>
+          <a:xfrm>
+            <a:off x="10358437" y="457199"/>
+            <a:ext cx="1067589" cy="471489"/>
+          </a:xfrm>
+        </p:spPr>
+        <p:txBody>
+          <a:bodyPr/>
+          <a:lstStyle/>
+          <a:p>
+            <a:fld id="{48F63A3B-78C7-47BE-AE5E-E10140E04643}" type="slidenum">
+              <a:rPr lang="en-US" smtClean="0"/>
+              <a:pPr/>
+              <a:t>8</a:t>
+            </a:fld>
+            <a:endParaRPr lang="en-US" dirty="0"/>
+          </a:p>
+        </p:txBody>
+      </p:sp>
+      <p:pic>
+        <p:nvPicPr>
+          <p:cNvPr id="9" name="Content Placeholder 8">
+            <a:extLst>
+              <a:ext uri="{FF2B5EF4-FFF2-40B4-BE49-F238E27FC236}">
+                <a16:creationId xmlns:a16="http://schemas.microsoft.com/office/drawing/2014/main" id="{B74785F0-5D45-0CAF-FA46-54CC2353E44B}"/>
+              </a:ext>
+            </a:extLst>
+          </p:cNvPr>
+          <p:cNvPicPr>
+            <a:picLocks noGrp="1" noChangeAspect="1"/>
+          </p:cNvPicPr>
+          <p:nvPr>
+            <p:ph sz="half" idx="1"/>
+          </p:nvPr>
+        </p:nvPicPr>
+        <p:blipFill>
+          <a:blip r:embed="rId3"/>
+          <a:stretch>
+            <a:fillRect/>
+          </a:stretch>
+        </p:blipFill>
+        <p:spPr>
+          <a:xfrm>
+            <a:off x="601980" y="3704507"/>
+            <a:ext cx="10515600" cy="2679429"/>
+          </a:xfrm>
+        </p:spPr>
+      </p:pic>
+    </p:spTree>
+    <p:extLst>
+      <p:ext uri="{BB962C8B-B14F-4D97-AF65-F5344CB8AC3E}">
+        <p14:creationId xmlns:p14="http://schemas.microsoft.com/office/powerpoint/2010/main" val="3969996159"/>
       </p:ext>
     </p:extLst>
   </p:cSld>
@@ -20128,180 +21097,167 @@
           <a:chExt cx="0" cy="0"/>
         </a:xfrm>
       </p:grpSpPr>
+      <p:sp>
+        <p:nvSpPr>
+          <p:cNvPr id="3" name="Title 2">
+            <a:extLst>
+              <a:ext uri="{FF2B5EF4-FFF2-40B4-BE49-F238E27FC236}">
+                <a16:creationId xmlns:a16="http://schemas.microsoft.com/office/drawing/2014/main" id="{38D62608-F5E4-7EC0-5EF0-4F988DDDEC5B}"/>
+              </a:ext>
+            </a:extLst>
+          </p:cNvPr>
+          <p:cNvSpPr>
+            <a:spLocks noGrp="1"/>
+          </p:cNvSpPr>
+          <p:nvPr>
+            <p:ph type="title"/>
+          </p:nvPr>
+        </p:nvSpPr>
+        <p:spPr>
+          <a:xfrm>
+            <a:off x="476250" y="428815"/>
+            <a:ext cx="9875463" cy="999746"/>
+          </a:xfrm>
+        </p:spPr>
+        <p:txBody>
+          <a:bodyPr/>
+          <a:lstStyle/>
+          <a:p>
+            <a:r>
+              <a:rPr lang="en-US" dirty="0"/>
+              <a:t>Data exploration</a:t>
+            </a:r>
+          </a:p>
+        </p:txBody>
+      </p:sp>
+      <p:sp>
+        <p:nvSpPr>
+          <p:cNvPr id="12" name="Content Placeholder 3">
+            <a:extLst>
+              <a:ext uri="{FF2B5EF4-FFF2-40B4-BE49-F238E27FC236}">
+                <a16:creationId xmlns:a16="http://schemas.microsoft.com/office/drawing/2014/main" id="{288BD9B8-D6A6-D55A-830D-4D3CC2DC3933}"/>
+              </a:ext>
+            </a:extLst>
+          </p:cNvPr>
+          <p:cNvSpPr>
+            <a:spLocks noGrp="1"/>
+          </p:cNvSpPr>
+          <p:nvPr>
+            <p:ph sz="half" idx="2"/>
+          </p:nvPr>
+        </p:nvSpPr>
+        <p:spPr>
+          <a:xfrm>
+            <a:off x="637616" y="1668061"/>
+            <a:ext cx="11099655" cy="2100043"/>
+          </a:xfrm>
+        </p:spPr>
+        <p:txBody>
+          <a:bodyPr vert="horz" lIns="91440" tIns="0" rIns="91440" bIns="0" rtlCol="0" anchor="t">
+            <a:noAutofit/>
+          </a:bodyPr>
+          <a:lstStyle/>
+          <a:p>
+            <a:pPr marL="347345" indent="-347345"/>
+            <a:r>
+              <a:rPr lang="en-US" dirty="0"/>
+              <a:t>After some data processing, we found some patterns in carbon emission during these three years.</a:t>
+            </a:r>
+            <a:endParaRPr lang="en-US" dirty="0">
+              <a:cs typeface="Sabon Next LT"/>
+            </a:endParaRPr>
+          </a:p>
+          <a:p>
+            <a:pPr marL="347345" indent="-347345"/>
+            <a:r>
+              <a:rPr lang="en-US" dirty="0"/>
+              <a:t>In some particular hours of day like at 11 or on Thursday and Wednesday or on May and June the carbon emission are lower than other times.</a:t>
+            </a:r>
+            <a:endParaRPr lang="en-US" dirty="0">
+              <a:cs typeface="Sabon Next LT"/>
+            </a:endParaRPr>
+          </a:p>
+          <a:p>
+            <a:pPr marL="347345" indent="-347345"/>
+            <a:r>
+              <a:rPr lang="en-US" dirty="0"/>
+              <a:t>So the environmental cost of power consumption in different periods is different, by predicting this cost we can optimize it.</a:t>
+            </a:r>
+            <a:endParaRPr lang="en-US" dirty="0">
+              <a:cs typeface="Sabon Next LT"/>
+            </a:endParaRPr>
+          </a:p>
+        </p:txBody>
+      </p:sp>
+      <p:sp>
+        <p:nvSpPr>
+          <p:cNvPr id="2" name="Slide Number Placeholder 1">
+            <a:extLst>
+              <a:ext uri="{FF2B5EF4-FFF2-40B4-BE49-F238E27FC236}">
+                <a16:creationId xmlns:a16="http://schemas.microsoft.com/office/drawing/2014/main" id="{1DCFAD14-1AAA-8CDA-A49B-523FD6C66F35}"/>
+              </a:ext>
+            </a:extLst>
+          </p:cNvPr>
+          <p:cNvSpPr>
+            <a:spLocks noGrp="1"/>
+          </p:cNvSpPr>
+          <p:nvPr>
+            <p:ph type="sldNum" sz="quarter" idx="10"/>
+          </p:nvPr>
+        </p:nvSpPr>
+        <p:spPr>
+          <a:xfrm>
+            <a:off x="10438475" y="457199"/>
+            <a:ext cx="987552" cy="471489"/>
+          </a:xfrm>
+        </p:spPr>
+        <p:txBody>
+          <a:bodyPr/>
+          <a:lstStyle/>
+          <a:p>
+            <a:fld id="{48F63A3B-78C7-47BE-AE5E-E10140E04643}" type="slidenum">
+              <a:rPr lang="en-US" smtClean="0"/>
+              <a:pPr/>
+              <a:t>9</a:t>
+            </a:fld>
+            <a:endParaRPr lang="en-US" dirty="0"/>
+          </a:p>
+        </p:txBody>
+      </p:sp>
       <p:pic>
         <p:nvPicPr>
-          <p:cNvPr id="10" name="Content Placeholder 9">
+          <p:cNvPr id="7" name="Picture 6">
             <a:extLst>
               <a:ext uri="{FF2B5EF4-FFF2-40B4-BE49-F238E27FC236}">
-                <a16:creationId xmlns:a16="http://schemas.microsoft.com/office/drawing/2014/main" id="{E4D5E86D-0208-F29A-A4BA-A49E5E84F7B0}"/>
+                <a16:creationId xmlns:a16="http://schemas.microsoft.com/office/drawing/2014/main" id="{DCB6133F-BDC3-5549-8B27-301A8C2DC555}"/>
               </a:ext>
             </a:extLst>
           </p:cNvPr>
           <p:cNvPicPr>
-            <a:picLocks noGrp="1" noChangeAspect="1"/>
+            <a:picLocks noChangeAspect="1"/>
           </p:cNvPicPr>
-          <p:nvPr>
-            <p:ph idx="1"/>
-          </p:nvPr>
+          <p:nvPr/>
         </p:nvPicPr>
         <p:blipFill>
-          <a:blip r:embed="rId2"/>
+          <a:blip r:embed="rId3"/>
           <a:stretch>
             <a:fillRect/>
           </a:stretch>
         </p:blipFill>
         <p:spPr>
           <a:xfrm>
-            <a:off x="7028213" y="457199"/>
-            <a:ext cx="4663044" cy="6320972"/>
-          </a:xfrm>
-        </p:spPr>
-      </p:pic>
-      <p:sp>
-        <p:nvSpPr>
-          <p:cNvPr id="11" name="TextBox 10">
-            <a:extLst>
-              <a:ext uri="{FF2B5EF4-FFF2-40B4-BE49-F238E27FC236}">
-                <a16:creationId xmlns:a16="http://schemas.microsoft.com/office/drawing/2014/main" id="{A86ABEC1-BAF9-3A85-B083-4CC83CCB18BE}"/>
-              </a:ext>
-            </a:extLst>
-          </p:cNvPr>
-          <p:cNvSpPr txBox="1"/>
-          <p:nvPr/>
-        </p:nvSpPr>
-        <p:spPr>
-          <a:xfrm>
-            <a:off x="703943" y="1255486"/>
-            <a:ext cx="5392057" cy="5078313"/>
+            <a:off x="400050" y="3426311"/>
+            <a:ext cx="11391900" cy="3236074"/>
           </a:xfrm>
           <a:prstGeom prst="rect">
             <a:avLst/>
           </a:prstGeom>
-          <a:noFill/>
         </p:spPr>
-        <p:txBody>
-          <a:bodyPr wrap="square" rtlCol="0">
-            <a:spAutoFit/>
-          </a:bodyPr>
-          <a:lstStyle/>
-          <a:p>
-            <a:pPr marL="285750" indent="-285750">
-              <a:buFont typeface="Arial" panose="020B0604020202020204" pitchFamily="34" charset="0"/>
-              <a:buChar char="•"/>
-            </a:pPr>
-            <a:r>
-              <a:rPr lang="en-US" sz="1800" dirty="0">
-                <a:solidFill>
-                  <a:schemeClr val="accent6">
-                    <a:lumMod val="75000"/>
-                  </a:schemeClr>
-                </a:solidFill>
-                <a:latin typeface="+mj-lt"/>
-              </a:rPr>
-              <a:t>This neural network consists of an embedding layer that first transforms the input into a dense representation. </a:t>
-            </a:r>
-          </a:p>
-          <a:p>
-            <a:pPr marL="285750" indent="-285750">
-              <a:buFont typeface="Arial" panose="020B0604020202020204" pitchFamily="34" charset="0"/>
-              <a:buChar char="•"/>
-            </a:pPr>
-            <a:r>
-              <a:rPr lang="en-US" sz="1800" dirty="0">
-                <a:solidFill>
-                  <a:schemeClr val="accent6">
-                    <a:lumMod val="75000"/>
-                  </a:schemeClr>
-                </a:solidFill>
-                <a:latin typeface="+mj-lt"/>
-              </a:rPr>
-              <a:t>Following this, a bidirectional LSTM layer captures temporal dependencies in both forward and reverse directions. </a:t>
-            </a:r>
-            <a:br>
-              <a:rPr lang="en-US" sz="1800" dirty="0">
-                <a:solidFill>
-                  <a:schemeClr val="accent6">
-                    <a:lumMod val="75000"/>
-                  </a:schemeClr>
-                </a:solidFill>
-                <a:latin typeface="+mj-lt"/>
-              </a:rPr>
-            </a:br>
-            <a:endParaRPr lang="en-US" sz="1800" dirty="0">
-              <a:solidFill>
-                <a:schemeClr val="accent6">
-                  <a:lumMod val="75000"/>
-                </a:schemeClr>
-              </a:solidFill>
-              <a:latin typeface="+mj-lt"/>
-            </a:endParaRPr>
-          </a:p>
-          <a:p>
-            <a:pPr marL="285750" indent="-285750">
-              <a:buFont typeface="Arial" panose="020B0604020202020204" pitchFamily="34" charset="0"/>
-              <a:buChar char="•"/>
-            </a:pPr>
-            <a:r>
-              <a:rPr lang="en-US" sz="1800" dirty="0">
-                <a:solidFill>
-                  <a:schemeClr val="accent6">
-                    <a:lumMod val="75000"/>
-                  </a:schemeClr>
-                </a:solidFill>
-                <a:latin typeface="+mj-lt"/>
-              </a:rPr>
-              <a:t>The network then uses two fully connected layers to further process the information and produce the final output. </a:t>
-            </a:r>
-            <a:br>
-              <a:rPr lang="en-US" sz="1800" dirty="0">
-                <a:solidFill>
-                  <a:schemeClr val="accent6">
-                    <a:lumMod val="75000"/>
-                  </a:schemeClr>
-                </a:solidFill>
-                <a:latin typeface="+mj-lt"/>
-              </a:rPr>
-            </a:br>
-            <a:endParaRPr lang="en-US" sz="1800" dirty="0">
-              <a:solidFill>
-                <a:schemeClr val="accent6">
-                  <a:lumMod val="75000"/>
-                </a:schemeClr>
-              </a:solidFill>
-              <a:latin typeface="+mj-lt"/>
-            </a:endParaRPr>
-          </a:p>
-          <a:p>
-            <a:pPr marL="285750" indent="-285750">
-              <a:buFont typeface="Arial" panose="020B0604020202020204" pitchFamily="34" charset="0"/>
-              <a:buChar char="•"/>
-            </a:pPr>
-            <a:r>
-              <a:rPr lang="en-US" sz="1800" dirty="0">
-                <a:solidFill>
-                  <a:schemeClr val="accent6">
-                    <a:lumMod val="75000"/>
-                  </a:schemeClr>
-                </a:solidFill>
-                <a:latin typeface="+mj-lt"/>
-              </a:rPr>
-              <a:t>Additionally, it employs batch normalization to ensure stable and efficient training. The model is flexible, allowing for adjustments in layer sizes and the use of dropout for regularization.</a:t>
-            </a:r>
-            <a:endParaRPr lang="en-US" dirty="0">
-              <a:solidFill>
-                <a:schemeClr val="accent6">
-                  <a:lumMod val="75000"/>
-                </a:schemeClr>
-              </a:solidFill>
-              <a:latin typeface="+mj-lt"/>
-            </a:endParaRPr>
-          </a:p>
-        </p:txBody>
-      </p:sp>
+      </p:pic>
     </p:spTree>
     <p:extLst>
       <p:ext uri="{BB962C8B-B14F-4D97-AF65-F5344CB8AC3E}">
-        <p14:creationId xmlns:p14="http://schemas.microsoft.com/office/powerpoint/2010/main" val="3313031762"/>
+        <p14:creationId xmlns:p14="http://schemas.microsoft.com/office/powerpoint/2010/main" val="2498021601"/>
       </p:ext>
     </p:extLst>
   </p:cSld>
@@ -21103,35 +22059,6 @@
 </file>
 
 <file path=customXml/item1.xml><?xml version="1.0" encoding="utf-8"?>
-<p:properties xmlns:p="http://schemas.microsoft.com/office/2006/metadata/properties" xmlns:xsi="http://www.w3.org/2001/XMLSchema-instance" xmlns:pc="http://schemas.microsoft.com/office/infopath/2007/PartnerControls">
-  <documentManagement>
-    <_ip_UnifiedCompliancePolicyUIAction xmlns="http://schemas.microsoft.com/sharepoint/v3" xsi:nil="true"/>
-    <Image xmlns="71af3243-3dd4-4a8d-8c0d-dd76da1f02a5">
-      <Url xsi:nil="true"/>
-      <Description xsi:nil="true"/>
-    </Image>
-    <Status xmlns="71af3243-3dd4-4a8d-8c0d-dd76da1f02a5">Not started</Status>
-    <Background xmlns="71af3243-3dd4-4a8d-8c0d-dd76da1f02a5">false</Background>
-    <_ip_UnifiedCompliancePolicyProperties xmlns="http://schemas.microsoft.com/sharepoint/v3" xsi:nil="true"/>
-    <ImageTagsTaxHTField xmlns="71af3243-3dd4-4a8d-8c0d-dd76da1f02a5">
-      <Terms xmlns="http://schemas.microsoft.com/office/infopath/2007/PartnerControls"/>
-    </ImageTagsTaxHTField>
-    <TaxCatchAll xmlns="230e9df3-be65-4c73-a93b-d1236ebd677e" xsi:nil="true"/>
-    <MediaServiceKeyPoints xmlns="71af3243-3dd4-4a8d-8c0d-dd76da1f02a5" xsi:nil="true"/>
-  </documentManagement>
-</p:properties>
-</file>
-
-<file path=customXml/item2.xml><?xml version="1.0" encoding="utf-8"?>
-<?mso-contentType ?>
-<FormTemplates xmlns="http://schemas.microsoft.com/sharepoint/v3/contenttype/forms">
-  <Display>DocumentLibraryForm</Display>
-  <Edit>DocumentLibraryForm</Edit>
-  <New>DocumentLibraryForm</New>
-</FormTemplates>
-</file>
-
-<file path=customXml/item3.xml><?xml version="1.0" encoding="utf-8"?>
 <ct:contentTypeSchema xmlns:ct="http://schemas.microsoft.com/office/2006/metadata/contentType" xmlns:ma="http://schemas.microsoft.com/office/2006/metadata/properties/metaAttributes" ct:_="" ma:_="" ma:contentTypeName="Document" ma:contentTypeID="0x01010079F111ED35F8CC479449609E8A0923A6" ma:contentTypeVersion="28" ma:contentTypeDescription="Create a new document." ma:contentTypeScope="" ma:versionID="60f5a4f2d2b0abadcf532d48ebf9cb71">
   <xsd:schema xmlns:xsd="http://www.w3.org/2001/XMLSchema" xmlns:xs="http://www.w3.org/2001/XMLSchema" xmlns:p="http://schemas.microsoft.com/office/2006/metadata/properties" xmlns:ns1="http://schemas.microsoft.com/sharepoint/v3" xmlns:ns2="71af3243-3dd4-4a8d-8c0d-dd76da1f02a5" xmlns:ns3="16c05727-aa75-4e4a-9b5f-8a80a1165891" xmlns:ns4="230e9df3-be65-4c73-a93b-d1236ebd677e" targetNamespace="http://schemas.microsoft.com/office/2006/metadata/properties" ma:root="true" ma:fieldsID="7dd78129e6a1811f84807ad11c651531" ns1:_="" ns2:_="" ns3:_="" ns4:_="">
     <xsd:import namespace="http://schemas.microsoft.com/sharepoint/v3"/>
@@ -21443,27 +22370,36 @@
 </ct:contentTypeSchema>
 </file>
 
-<file path=customXml/itemProps1.xml><?xml version="1.0" encoding="utf-8"?>
-<ds:datastoreItem xmlns:ds="http://schemas.openxmlformats.org/officeDocument/2006/customXml" ds:itemID="{BA719FA4-954C-4FA8-82CB-206659C3B826}">
-  <ds:schemaRefs>
-    <ds:schemaRef ds:uri="http://schemas.microsoft.com/office/2006/metadata/properties"/>
-    <ds:schemaRef ds:uri="http://schemas.microsoft.com/office/infopath/2007/PartnerControls"/>
-    <ds:schemaRef ds:uri="http://schemas.microsoft.com/sharepoint/v3"/>
-    <ds:schemaRef ds:uri="71af3243-3dd4-4a8d-8c0d-dd76da1f02a5"/>
-    <ds:schemaRef ds:uri="230e9df3-be65-4c73-a93b-d1236ebd677e"/>
-  </ds:schemaRefs>
-</ds:datastoreItem>
+<file path=customXml/item2.xml><?xml version="1.0" encoding="utf-8"?>
+<p:properties xmlns:p="http://schemas.microsoft.com/office/2006/metadata/properties" xmlns:xsi="http://www.w3.org/2001/XMLSchema-instance" xmlns:pc="http://schemas.microsoft.com/office/infopath/2007/PartnerControls">
+  <documentManagement>
+    <_ip_UnifiedCompliancePolicyUIAction xmlns="http://schemas.microsoft.com/sharepoint/v3" xsi:nil="true"/>
+    <Image xmlns="71af3243-3dd4-4a8d-8c0d-dd76da1f02a5">
+      <Url xsi:nil="true"/>
+      <Description xsi:nil="true"/>
+    </Image>
+    <Status xmlns="71af3243-3dd4-4a8d-8c0d-dd76da1f02a5">Not started</Status>
+    <Background xmlns="71af3243-3dd4-4a8d-8c0d-dd76da1f02a5">false</Background>
+    <_ip_UnifiedCompliancePolicyProperties xmlns="http://schemas.microsoft.com/sharepoint/v3" xsi:nil="true"/>
+    <ImageTagsTaxHTField xmlns="71af3243-3dd4-4a8d-8c0d-dd76da1f02a5">
+      <Terms xmlns="http://schemas.microsoft.com/office/infopath/2007/PartnerControls"/>
+    </ImageTagsTaxHTField>
+    <TaxCatchAll xmlns="230e9df3-be65-4c73-a93b-d1236ebd677e" xsi:nil="true"/>
+    <MediaServiceKeyPoints xmlns="71af3243-3dd4-4a8d-8c0d-dd76da1f02a5" xsi:nil="true"/>
+  </documentManagement>
+</p:properties>
 </file>
 
-<file path=customXml/itemProps2.xml><?xml version="1.0" encoding="utf-8"?>
-<ds:datastoreItem xmlns:ds="http://schemas.openxmlformats.org/officeDocument/2006/customXml" ds:itemID="{16DBB56F-4362-4386-A1A1-3DF898896616}">
-  <ds:schemaRefs>
-    <ds:schemaRef ds:uri="http://schemas.microsoft.com/sharepoint/v3/contenttype/forms"/>
-  </ds:schemaRefs>
-</ds:datastoreItem>
+<file path=customXml/item3.xml><?xml version="1.0" encoding="utf-8"?>
+<?mso-contentType ?>
+<FormTemplates xmlns="http://schemas.microsoft.com/sharepoint/v3/contenttype/forms">
+  <Display>DocumentLibraryForm</Display>
+  <Edit>DocumentLibraryForm</Edit>
+  <New>DocumentLibraryForm</New>
+</FormTemplates>
 </file>
 
-<file path=customXml/itemProps3.xml><?xml version="1.0" encoding="utf-8"?>
+<file path=customXml/itemProps1.xml><?xml version="1.0" encoding="utf-8"?>
 <ds:datastoreItem xmlns:ds="http://schemas.openxmlformats.org/officeDocument/2006/customXml" ds:itemID="{04948363-B267-4BAC-8655-100FBEC280C1}">
   <ds:schemaRefs>
     <ds:schemaRef ds:uri="http://schemas.microsoft.com/office/2006/metadata/contentType"/>
@@ -21484,6 +22420,26 @@
 </ds:datastoreItem>
 </file>
 
+<file path=customXml/itemProps2.xml><?xml version="1.0" encoding="utf-8"?>
+<ds:datastoreItem xmlns:ds="http://schemas.openxmlformats.org/officeDocument/2006/customXml" ds:itemID="{BA719FA4-954C-4FA8-82CB-206659C3B826}">
+  <ds:schemaRefs>
+    <ds:schemaRef ds:uri="http://schemas.microsoft.com/office/2006/metadata/properties"/>
+    <ds:schemaRef ds:uri="http://schemas.microsoft.com/office/infopath/2007/PartnerControls"/>
+    <ds:schemaRef ds:uri="http://schemas.microsoft.com/sharepoint/v3"/>
+    <ds:schemaRef ds:uri="71af3243-3dd4-4a8d-8c0d-dd76da1f02a5"/>
+    <ds:schemaRef ds:uri="230e9df3-be65-4c73-a93b-d1236ebd677e"/>
+  </ds:schemaRefs>
+</ds:datastoreItem>
+</file>
+
+<file path=customXml/itemProps3.xml><?xml version="1.0" encoding="utf-8"?>
+<ds:datastoreItem xmlns:ds="http://schemas.openxmlformats.org/officeDocument/2006/customXml" ds:itemID="{16DBB56F-4362-4386-A1A1-3DF898896616}">
+  <ds:schemaRefs>
+    <ds:schemaRef ds:uri="http://schemas.microsoft.com/sharepoint/v3/contenttype/forms"/>
+  </ds:schemaRefs>
+</ds:datastoreItem>
+</file>
+
 <file path=docMetadata/LabelInfo.xml><?xml version="1.0" encoding="utf-8"?>
 <clbl:labelList xmlns:clbl="http://schemas.microsoft.com/office/2020/mipLabelMetadata"/>
 </file>